--- a/Presentations/Values, Quantities & Units.pptx
+++ b/Presentations/Values, Quantities & Units.pptx
@@ -3401,7 +3401,9 @@
           </a:xfrm>
         </p:spPr>
         <p:txBody>
-          <a:bodyPr/>
+          <a:bodyPr>
+            <a:normAutofit fontScale="62500" lnSpcReduction="20000"/>
+          </a:bodyPr>
           <a:lstStyle/>
           <a:p>
             <a:r>
@@ -3419,6 +3421,15 @@
             <a:r>
               <a:rPr lang="en-US" dirty="0"/>
               <a:t>Semantic Modeling for Information Federation (SMIF)</a:t>
+            </a:r>
+          </a:p>
+          <a:p>
+            <a:endParaRPr lang="en-US" dirty="0"/>
+          </a:p>
+          <a:p>
+            <a:r>
+              <a:rPr lang="en-US" dirty="0"/>
+              <a:t>This File: https://github.com/ModelDriven/SIMF/blob/master/Presentations/Values%2C%20Quantities%20%26%20Units.pptx</a:t>
             </a:r>
           </a:p>
         </p:txBody>
@@ -3805,7 +3816,7 @@
           <a:p>
             <a:r>
               <a:rPr lang="en-US" dirty="0"/>
-              <a:t>Some issues with the “2 property” representation</a:t>
+              <a:t>Some issues with the “two property” representation</a:t>
             </a:r>
           </a:p>
         </p:txBody>
@@ -4059,7 +4070,7 @@
           <a:p>
             <a:r>
               <a:rPr lang="en-US" dirty="0"/>
-              <a:t>A Unit type may be used as the type of a property in an information, data model or mapping. Unit specification uses the type system.</a:t>
+              <a:t>A Unit type may be used as the type of a property in an information model, data model or mapping. Unit specification uses the type system.</a:t>
             </a:r>
           </a:p>
           <a:p>
@@ -5195,13 +5206,8 @@
             <a:pPr lvl="1"/>
             <a:r>
               <a:rPr lang="en-US" dirty="0"/>
-              <a:t>Different representations of the same value represent the same value </a:t>
-            </a:r>
-            <a:r>
-              <a:rPr lang="en-US" dirty="0" err="1"/>
-              <a:t>universaly</a:t>
-            </a:r>
-            <a:endParaRPr lang="en-US" dirty="0"/>
+              <a:t>Different representations of the same value represent the same value universally</a:t>
+            </a:r>
           </a:p>
           <a:p>
             <a:r>
@@ -5916,7 +5922,7 @@
           <a:p>
             <a:r>
               <a:rPr lang="en-US" dirty="0"/>
-              <a:t>Using the MDS (Model Driven Architecture) pattern allows implementation diversity</a:t>
+              <a:t>Using the MDA (Model Driven Architecture) pattern allows implementation diversity</a:t>
             </a:r>
           </a:p>
           <a:p>
@@ -6040,7 +6046,7 @@
           <a:p>
             <a:r>
               <a:rPr lang="en-US" dirty="0"/>
-              <a:t>Application &amp; data models should be able. o to commit to specific units and/or numeric or non-numeric representations, but should not be forces to do so.</a:t>
+              <a:t>Application &amp; data models should be able to commit to specific units and/or numeric or non-numeric representations, but should not be forced to do so.</a:t>
             </a:r>
           </a:p>
           <a:p>

--- a/Presentations/Values, Quantities & Units.pptx
+++ b/Presentations/Values, Quantities & Units.pptx
@@ -283,7 +283,7 @@
           <a:p>
             <a:fld id="{867FABA3-ED0B-4261-91FE-267A5EF94074}" type="datetimeFigureOut">
               <a:rPr lang="en-US" smtClean="0"/>
-              <a:t>10/17/2017</a:t>
+              <a:t>10/18/2017</a:t>
             </a:fld>
             <a:endParaRPr lang="en-US" dirty="0"/>
           </a:p>
@@ -481,7 +481,7 @@
           <a:p>
             <a:fld id="{867FABA3-ED0B-4261-91FE-267A5EF94074}" type="datetimeFigureOut">
               <a:rPr lang="en-US" smtClean="0"/>
-              <a:t>10/17/2017</a:t>
+              <a:t>10/18/2017</a:t>
             </a:fld>
             <a:endParaRPr lang="en-US" dirty="0"/>
           </a:p>
@@ -689,7 +689,7 @@
           <a:p>
             <a:fld id="{867FABA3-ED0B-4261-91FE-267A5EF94074}" type="datetimeFigureOut">
               <a:rPr lang="en-US" smtClean="0"/>
-              <a:t>10/17/2017</a:t>
+              <a:t>10/18/2017</a:t>
             </a:fld>
             <a:endParaRPr lang="en-US" dirty="0"/>
           </a:p>
@@ -887,7 +887,7 @@
           <a:p>
             <a:fld id="{867FABA3-ED0B-4261-91FE-267A5EF94074}" type="datetimeFigureOut">
               <a:rPr lang="en-US" smtClean="0"/>
-              <a:t>10/17/2017</a:t>
+              <a:t>10/18/2017</a:t>
             </a:fld>
             <a:endParaRPr lang="en-US" dirty="0"/>
           </a:p>
@@ -1162,7 +1162,7 @@
           <a:p>
             <a:fld id="{867FABA3-ED0B-4261-91FE-267A5EF94074}" type="datetimeFigureOut">
               <a:rPr lang="en-US" smtClean="0"/>
-              <a:t>10/17/2017</a:t>
+              <a:t>10/18/2017</a:t>
             </a:fld>
             <a:endParaRPr lang="en-US" dirty="0"/>
           </a:p>
@@ -1427,7 +1427,7 @@
           <a:p>
             <a:fld id="{867FABA3-ED0B-4261-91FE-267A5EF94074}" type="datetimeFigureOut">
               <a:rPr lang="en-US" smtClean="0"/>
-              <a:t>10/17/2017</a:t>
+              <a:t>10/18/2017</a:t>
             </a:fld>
             <a:endParaRPr lang="en-US" dirty="0"/>
           </a:p>
@@ -1839,7 +1839,7 @@
           <a:p>
             <a:fld id="{867FABA3-ED0B-4261-91FE-267A5EF94074}" type="datetimeFigureOut">
               <a:rPr lang="en-US" smtClean="0"/>
-              <a:t>10/17/2017</a:t>
+              <a:t>10/18/2017</a:t>
             </a:fld>
             <a:endParaRPr lang="en-US" dirty="0"/>
           </a:p>
@@ -1980,7 +1980,7 @@
           <a:p>
             <a:fld id="{867FABA3-ED0B-4261-91FE-267A5EF94074}" type="datetimeFigureOut">
               <a:rPr lang="en-US" smtClean="0"/>
-              <a:t>10/17/2017</a:t>
+              <a:t>10/18/2017</a:t>
             </a:fld>
             <a:endParaRPr lang="en-US" dirty="0"/>
           </a:p>
@@ -2093,7 +2093,7 @@
           <a:p>
             <a:fld id="{867FABA3-ED0B-4261-91FE-267A5EF94074}" type="datetimeFigureOut">
               <a:rPr lang="en-US" smtClean="0"/>
-              <a:t>10/17/2017</a:t>
+              <a:t>10/18/2017</a:t>
             </a:fld>
             <a:endParaRPr lang="en-US" dirty="0"/>
           </a:p>
@@ -2404,7 +2404,7 @@
           <a:p>
             <a:fld id="{867FABA3-ED0B-4261-91FE-267A5EF94074}" type="datetimeFigureOut">
               <a:rPr lang="en-US" smtClean="0"/>
-              <a:t>10/17/2017</a:t>
+              <a:t>10/18/2017</a:t>
             </a:fld>
             <a:endParaRPr lang="en-US" dirty="0"/>
           </a:p>
@@ -2692,7 +2692,7 @@
           <a:p>
             <a:fld id="{867FABA3-ED0B-4261-91FE-267A5EF94074}" type="datetimeFigureOut">
               <a:rPr lang="en-US" smtClean="0"/>
-              <a:t>10/17/2017</a:t>
+              <a:t>10/18/2017</a:t>
             </a:fld>
             <a:endParaRPr lang="en-US" dirty="0"/>
           </a:p>
@@ -2933,7 +2933,7 @@
           <a:p>
             <a:fld id="{867FABA3-ED0B-4261-91FE-267A5EF94074}" type="datetimeFigureOut">
               <a:rPr lang="en-US" smtClean="0"/>
-              <a:t>10/17/2017</a:t>
+              <a:t>10/18/2017</a:t>
             </a:fld>
             <a:endParaRPr lang="en-US" dirty="0"/>
           </a:p>
@@ -3579,7 +3579,7 @@
           <a:p>
             <a:r>
               <a:rPr lang="en-US" dirty="0"/>
-              <a:t>5kg translates to “5 times (reference to the 5kg standard)”</a:t>
+              <a:t>5kg translates to “5 times (reference to the kg standard)”</a:t>
             </a:r>
           </a:p>
           <a:p>
@@ -4204,8 +4204,8 @@
         </p:nvSpPr>
         <p:spPr>
           <a:xfrm rot="16200000">
-            <a:off x="-1736929" y="3524349"/>
-            <a:ext cx="4233082" cy="461665"/>
+            <a:off x="-1736929" y="3339683"/>
+            <a:ext cx="4233082" cy="830997"/>
           </a:xfrm>
           <a:prstGeom prst="rect">
             <a:avLst/>
@@ -4218,11 +4218,19 @@
           </a:bodyPr>
           <a:lstStyle/>
           <a:p>
+            <a:pPr algn="ctr"/>
             <a:r>
               <a:rPr lang="en-US" sz="2400" dirty="0"/>
               <a:t>Values, Units &amp; Quantity Models</a:t>
             </a:r>
           </a:p>
+          <a:p>
+            <a:pPr algn="ctr"/>
+            <a:r>
+              <a:rPr lang="en-US" sz="2400" dirty="0"/>
+              <a:t>Focus on Units and Unit Values</a:t>
+            </a:r>
+          </a:p>
         </p:txBody>
       </p:sp>
       <p:sp>
@@ -4239,8 +4247,63 @@
         </p:nvSpPr>
         <p:spPr>
           <a:xfrm>
-            <a:off x="2307771" y="2801256"/>
-            <a:ext cx="5312229" cy="3873841"/>
+            <a:off x="2420471" y="2801256"/>
+            <a:ext cx="5199529" cy="3873841"/>
+          </a:xfrm>
+          <a:prstGeom prst="roundRect">
+            <a:avLst/>
+          </a:prstGeom>
+          <a:solidFill>
+            <a:schemeClr val="accent1">
+              <a:alpha val="9000"/>
+            </a:schemeClr>
+          </a:solidFill>
+        </p:spPr>
+        <p:style>
+          <a:lnRef idx="2">
+            <a:schemeClr val="accent1">
+              <a:shade val="50000"/>
+            </a:schemeClr>
+          </a:lnRef>
+          <a:fillRef idx="1">
+            <a:schemeClr val="accent1"/>
+          </a:fillRef>
+          <a:effectRef idx="0">
+            <a:schemeClr val="accent1"/>
+          </a:effectRef>
+          <a:fontRef idx="minor">
+            <a:schemeClr val="lt1"/>
+          </a:fontRef>
+        </p:style>
+        <p:txBody>
+          <a:bodyPr rtlCol="0" anchor="t" anchorCtr="0"/>
+          <a:lstStyle/>
+          <a:p>
+            <a:pPr algn="ctr"/>
+            <a:endParaRPr lang="en-US" sz="2400" dirty="0">
+              <a:solidFill>
+                <a:schemeClr val="tx1"/>
+              </a:solidFill>
+            </a:endParaRPr>
+          </a:p>
+        </p:txBody>
+      </p:sp>
+      <p:sp>
+        <p:nvSpPr>
+          <p:cNvPr id="6" name="Rectangle: Rounded Corners 5">
+            <a:extLst>
+              <a:ext uri="{FF2B5EF4-FFF2-40B4-BE49-F238E27FC236}">
+                <a16:creationId xmlns:a16="http://schemas.microsoft.com/office/drawing/2014/main" id="{9F0F06B8-5868-4B11-B249-DE94FAED23A0}"/>
+              </a:ext>
+            </a:extLst>
+          </p:cNvPr>
+          <p:cNvSpPr/>
+          <p:nvPr/>
+        </p:nvSpPr>
+        <p:spPr>
+          <a:xfrm>
+            <a:off x="1366220" y="6022489"/>
+            <a:ext cx="1054251" cy="652608"/>
           </a:xfrm>
           <a:prstGeom prst="roundRect">
             <a:avLst/>
@@ -5416,49 +5479,12 @@
           <a:chExt cx="0" cy="0"/>
         </a:xfrm>
       </p:grpSpPr>
-      <p:sp>
-        <p:nvSpPr>
-          <p:cNvPr id="2" name="Title 1">
-            <a:extLst>
-              <a:ext uri="{FF2B5EF4-FFF2-40B4-BE49-F238E27FC236}">
-                <a16:creationId xmlns:a16="http://schemas.microsoft.com/office/drawing/2014/main" id="{51DD4AE8-BFF2-47B9-8E6B-804F8C3F3F3D}"/>
-              </a:ext>
-            </a:extLst>
-          </p:cNvPr>
-          <p:cNvSpPr>
-            <a:spLocks noGrp="1"/>
-          </p:cNvSpPr>
-          <p:nvPr>
-            <p:ph type="title"/>
-          </p:nvPr>
-        </p:nvSpPr>
-        <p:spPr/>
-        <p:txBody>
-          <a:bodyPr>
-            <a:normAutofit fontScale="90000"/>
-          </a:bodyPr>
-          <a:lstStyle/>
-          <a:p>
-            <a:r>
-              <a:rPr lang="en-US" dirty="0"/>
-              <a:t>Value Instance Example</a:t>
-            </a:r>
-            <a:br>
-              <a:rPr lang="en-US" dirty="0"/>
-            </a:br>
-            <a:r>
-              <a:rPr lang="en-US" dirty="0"/>
-              <a:t>“Cory” is an identifier for an identifiable entity</a:t>
-            </a:r>
-          </a:p>
-        </p:txBody>
-      </p:sp>
       <p:pic>
         <p:nvPicPr>
-          <p:cNvPr id="3" name="Picture 2">
-            <a:extLst>
-              <a:ext uri="{FF2B5EF4-FFF2-40B4-BE49-F238E27FC236}">
-                <a16:creationId xmlns:a16="http://schemas.microsoft.com/office/drawing/2014/main" id="{975A9AAA-5302-4EF5-A0BF-45DAB5A92997}"/>
+          <p:cNvPr id="6" name="Picture 5">
+            <a:extLst>
+              <a:ext uri="{FF2B5EF4-FFF2-40B4-BE49-F238E27FC236}">
+                <a16:creationId xmlns:a16="http://schemas.microsoft.com/office/drawing/2014/main" id="{2CA617E7-8888-45AA-BBEA-031F81C26C3B}"/>
               </a:ext>
             </a:extLst>
           </p:cNvPr>
@@ -5475,7 +5501,7 @@
         </p:blipFill>
         <p:spPr>
           <a:xfrm>
-            <a:off x="838200" y="2152009"/>
+            <a:off x="838200" y="2220823"/>
             <a:ext cx="10298412" cy="4266667"/>
           </a:xfrm>
           <a:prstGeom prst="rect">
@@ -5485,6 +5511,43 @@
       </p:pic>
       <p:sp>
         <p:nvSpPr>
+          <p:cNvPr id="2" name="Title 1">
+            <a:extLst>
+              <a:ext uri="{FF2B5EF4-FFF2-40B4-BE49-F238E27FC236}">
+                <a16:creationId xmlns:a16="http://schemas.microsoft.com/office/drawing/2014/main" id="{51DD4AE8-BFF2-47B9-8E6B-804F8C3F3F3D}"/>
+              </a:ext>
+            </a:extLst>
+          </p:cNvPr>
+          <p:cNvSpPr>
+            <a:spLocks noGrp="1"/>
+          </p:cNvSpPr>
+          <p:nvPr>
+            <p:ph type="title"/>
+          </p:nvPr>
+        </p:nvSpPr>
+        <p:spPr/>
+        <p:txBody>
+          <a:bodyPr>
+            <a:normAutofit fontScale="90000"/>
+          </a:bodyPr>
+          <a:lstStyle/>
+          <a:p>
+            <a:r>
+              <a:rPr lang="en-US" dirty="0"/>
+              <a:t>Value Instance Example</a:t>
+            </a:r>
+            <a:br>
+              <a:rPr lang="en-US" dirty="0"/>
+            </a:br>
+            <a:r>
+              <a:rPr lang="en-US" dirty="0"/>
+              <a:t>“Cory” is an identifier for an identifiable entity</a:t>
+            </a:r>
+          </a:p>
+        </p:txBody>
+      </p:sp>
+      <p:sp>
+        <p:nvSpPr>
           <p:cNvPr id="4" name="Rectangle: Rounded Corners 3">
             <a:extLst>
               <a:ext uri="{FF2B5EF4-FFF2-40B4-BE49-F238E27FC236}">
@@ -5497,8 +5560,8 @@
         </p:nvSpPr>
         <p:spPr>
           <a:xfrm>
-            <a:off x="838200" y="1570616"/>
-            <a:ext cx="3588657" cy="5156530"/>
+            <a:off x="760862" y="1570616"/>
+            <a:ext cx="3649773" cy="5156530"/>
           </a:xfrm>
           <a:prstGeom prst="roundRect">
             <a:avLst/>
@@ -5555,8 +5618,8 @@
         </p:nvSpPr>
         <p:spPr>
           <a:xfrm>
-            <a:off x="4426857" y="1570616"/>
-            <a:ext cx="6926943" cy="5156530"/>
+            <a:off x="4507454" y="1570616"/>
+            <a:ext cx="6846346" cy="5156530"/>
           </a:xfrm>
           <a:prstGeom prst="roundRect">
             <a:avLst/>

--- a/Presentations/Values, Quantities & Units.pptx
+++ b/Presentations/Values, Quantities & Units.pptx
@@ -4,6 +4,9 @@
   <p:sldMasterIdLst>
     <p:sldMasterId id="2147483648" r:id="rId1"/>
   </p:sldMasterIdLst>
+  <p:notesMasterIdLst>
+    <p:notesMasterId r:id="rId24"/>
+  </p:notesMasterIdLst>
   <p:sldIdLst>
     <p:sldId id="256" r:id="rId2"/>
     <p:sldId id="257" r:id="rId3"/>
@@ -11,21 +14,22 @@
     <p:sldId id="259" r:id="rId5"/>
     <p:sldId id="261" r:id="rId6"/>
     <p:sldId id="262" r:id="rId7"/>
-    <p:sldId id="263" r:id="rId8"/>
-    <p:sldId id="265" r:id="rId9"/>
-    <p:sldId id="276" r:id="rId10"/>
-    <p:sldId id="267" r:id="rId11"/>
-    <p:sldId id="268" r:id="rId12"/>
-    <p:sldId id="269" r:id="rId13"/>
-    <p:sldId id="264" r:id="rId14"/>
-    <p:sldId id="270" r:id="rId15"/>
-    <p:sldId id="277" r:id="rId16"/>
-    <p:sldId id="271" r:id="rId17"/>
-    <p:sldId id="272" r:id="rId18"/>
-    <p:sldId id="273" r:id="rId19"/>
-    <p:sldId id="274" r:id="rId20"/>
-    <p:sldId id="275" r:id="rId21"/>
-    <p:sldId id="266" r:id="rId22"/>
+    <p:sldId id="589" r:id="rId8"/>
+    <p:sldId id="263" r:id="rId9"/>
+    <p:sldId id="265" r:id="rId10"/>
+    <p:sldId id="276" r:id="rId11"/>
+    <p:sldId id="267" r:id="rId12"/>
+    <p:sldId id="268" r:id="rId13"/>
+    <p:sldId id="269" r:id="rId14"/>
+    <p:sldId id="264" r:id="rId15"/>
+    <p:sldId id="270" r:id="rId16"/>
+    <p:sldId id="277" r:id="rId17"/>
+    <p:sldId id="271" r:id="rId18"/>
+    <p:sldId id="272" r:id="rId19"/>
+    <p:sldId id="273" r:id="rId20"/>
+    <p:sldId id="274" r:id="rId21"/>
+    <p:sldId id="275" r:id="rId22"/>
+    <p:sldId id="266" r:id="rId23"/>
   </p:sldIdLst>
   <p:sldSz cx="12192000" cy="6858000"/>
   <p:notesSz cx="6858000" cy="9144000"/>
@@ -132,8 +136,437 @@
 </p:presentation>
 </file>
 
-<file path=ppt/revisionInfo.xml><?xml version="1.0" encoding="utf-8"?>
-<p1510:revInfo xmlns:a="http://schemas.openxmlformats.org/drawingml/2006/main" xmlns:r="http://schemas.openxmlformats.org/officeDocument/2006/relationships" xmlns:p1510="http://schemas.microsoft.com/office/powerpoint/2015/10/main"/>
+<file path=ppt/notesMasters/notesMaster1.xml><?xml version="1.0" encoding="utf-8"?>
+<p:notesMaster xmlns:a="http://schemas.openxmlformats.org/drawingml/2006/main" xmlns:r="http://schemas.openxmlformats.org/officeDocument/2006/relationships" xmlns:p="http://schemas.openxmlformats.org/presentationml/2006/main">
+  <p:cSld>
+    <p:bg>
+      <p:bgRef idx="1001">
+        <a:schemeClr val="bg1"/>
+      </p:bgRef>
+    </p:bg>
+    <p:spTree>
+      <p:nvGrpSpPr>
+        <p:cNvPr id="1" name=""/>
+        <p:cNvGrpSpPr/>
+        <p:nvPr/>
+      </p:nvGrpSpPr>
+      <p:grpSpPr>
+        <a:xfrm>
+          <a:off x="0" y="0"/>
+          <a:ext cx="0" cy="0"/>
+          <a:chOff x="0" y="0"/>
+          <a:chExt cx="0" cy="0"/>
+        </a:xfrm>
+      </p:grpSpPr>
+      <p:sp>
+        <p:nvSpPr>
+          <p:cNvPr id="2" name="Header Placeholder 1"/>
+          <p:cNvSpPr>
+            <a:spLocks noGrp="1"/>
+          </p:cNvSpPr>
+          <p:nvPr>
+            <p:ph type="hdr" sz="quarter"/>
+          </p:nvPr>
+        </p:nvSpPr>
+        <p:spPr>
+          <a:xfrm>
+            <a:off x="0" y="0"/>
+            <a:ext cx="2971800" cy="458788"/>
+          </a:xfrm>
+          <a:prstGeom prst="rect">
+            <a:avLst/>
+          </a:prstGeom>
+        </p:spPr>
+        <p:txBody>
+          <a:bodyPr vert="horz" lIns="91440" tIns="45720" rIns="91440" bIns="45720" rtlCol="0"/>
+          <a:lstStyle>
+            <a:lvl1pPr algn="l">
+              <a:defRPr sz="1200"/>
+            </a:lvl1pPr>
+          </a:lstStyle>
+          <a:p>
+            <a:endParaRPr lang="en-US"/>
+          </a:p>
+        </p:txBody>
+      </p:sp>
+      <p:sp>
+        <p:nvSpPr>
+          <p:cNvPr id="3" name="Date Placeholder 2"/>
+          <p:cNvSpPr>
+            <a:spLocks noGrp="1"/>
+          </p:cNvSpPr>
+          <p:nvPr>
+            <p:ph type="dt" idx="1"/>
+          </p:nvPr>
+        </p:nvSpPr>
+        <p:spPr>
+          <a:xfrm>
+            <a:off x="3884613" y="0"/>
+            <a:ext cx="2971800" cy="458788"/>
+          </a:xfrm>
+          <a:prstGeom prst="rect">
+            <a:avLst/>
+          </a:prstGeom>
+        </p:spPr>
+        <p:txBody>
+          <a:bodyPr vert="horz" lIns="91440" tIns="45720" rIns="91440" bIns="45720" rtlCol="0"/>
+          <a:lstStyle>
+            <a:lvl1pPr algn="r">
+              <a:defRPr sz="1200"/>
+            </a:lvl1pPr>
+          </a:lstStyle>
+          <a:p>
+            <a:fld id="{A2488B8E-7323-4FF1-A5B0-F20D7E9A9FEB}" type="datetimeFigureOut">
+              <a:rPr lang="en-US" smtClean="0"/>
+              <a:t>5/20/2018</a:t>
+            </a:fld>
+            <a:endParaRPr lang="en-US"/>
+          </a:p>
+        </p:txBody>
+      </p:sp>
+      <p:sp>
+        <p:nvSpPr>
+          <p:cNvPr id="4" name="Slide Image Placeholder 3"/>
+          <p:cNvSpPr>
+            <a:spLocks noGrp="1" noRot="1" noChangeAspect="1"/>
+          </p:cNvSpPr>
+          <p:nvPr>
+            <p:ph type="sldImg" idx="2"/>
+          </p:nvPr>
+        </p:nvSpPr>
+        <p:spPr>
+          <a:xfrm>
+            <a:off x="685800" y="1143000"/>
+            <a:ext cx="5486400" cy="3086100"/>
+          </a:xfrm>
+          <a:prstGeom prst="rect">
+            <a:avLst/>
+          </a:prstGeom>
+          <a:noFill/>
+          <a:ln w="12700">
+            <a:solidFill>
+              <a:prstClr val="black"/>
+            </a:solidFill>
+          </a:ln>
+        </p:spPr>
+        <p:txBody>
+          <a:bodyPr vert="horz" lIns="91440" tIns="45720" rIns="91440" bIns="45720" rtlCol="0" anchor="ctr"/>
+          <a:lstStyle/>
+          <a:p>
+            <a:endParaRPr lang="en-US"/>
+          </a:p>
+        </p:txBody>
+      </p:sp>
+      <p:sp>
+        <p:nvSpPr>
+          <p:cNvPr id="5" name="Notes Placeholder 4"/>
+          <p:cNvSpPr>
+            <a:spLocks noGrp="1"/>
+          </p:cNvSpPr>
+          <p:nvPr>
+            <p:ph type="body" sz="quarter" idx="3"/>
+          </p:nvPr>
+        </p:nvSpPr>
+        <p:spPr>
+          <a:xfrm>
+            <a:off x="685800" y="4400550"/>
+            <a:ext cx="5486400" cy="3600450"/>
+          </a:xfrm>
+          <a:prstGeom prst="rect">
+            <a:avLst/>
+          </a:prstGeom>
+        </p:spPr>
+        <p:txBody>
+          <a:bodyPr vert="horz" lIns="91440" tIns="45720" rIns="91440" bIns="45720" rtlCol="0"/>
+          <a:lstStyle/>
+          <a:p>
+            <a:pPr lvl="0"/>
+            <a:r>
+              <a:rPr lang="en-US"/>
+              <a:t>Edit Master text styles</a:t>
+            </a:r>
+          </a:p>
+          <a:p>
+            <a:pPr lvl="1"/>
+            <a:r>
+              <a:rPr lang="en-US"/>
+              <a:t>Second level</a:t>
+            </a:r>
+          </a:p>
+          <a:p>
+            <a:pPr lvl="2"/>
+            <a:r>
+              <a:rPr lang="en-US"/>
+              <a:t>Third level</a:t>
+            </a:r>
+          </a:p>
+          <a:p>
+            <a:pPr lvl="3"/>
+            <a:r>
+              <a:rPr lang="en-US"/>
+              <a:t>Fourth level</a:t>
+            </a:r>
+          </a:p>
+          <a:p>
+            <a:pPr lvl="4"/>
+            <a:r>
+              <a:rPr lang="en-US"/>
+              <a:t>Fifth level</a:t>
+            </a:r>
+          </a:p>
+        </p:txBody>
+      </p:sp>
+      <p:sp>
+        <p:nvSpPr>
+          <p:cNvPr id="6" name="Footer Placeholder 5"/>
+          <p:cNvSpPr>
+            <a:spLocks noGrp="1"/>
+          </p:cNvSpPr>
+          <p:nvPr>
+            <p:ph type="ftr" sz="quarter" idx="4"/>
+          </p:nvPr>
+        </p:nvSpPr>
+        <p:spPr>
+          <a:xfrm>
+            <a:off x="0" y="8685213"/>
+            <a:ext cx="2971800" cy="458787"/>
+          </a:xfrm>
+          <a:prstGeom prst="rect">
+            <a:avLst/>
+          </a:prstGeom>
+        </p:spPr>
+        <p:txBody>
+          <a:bodyPr vert="horz" lIns="91440" tIns="45720" rIns="91440" bIns="45720" rtlCol="0" anchor="b"/>
+          <a:lstStyle>
+            <a:lvl1pPr algn="l">
+              <a:defRPr sz="1200"/>
+            </a:lvl1pPr>
+          </a:lstStyle>
+          <a:p>
+            <a:endParaRPr lang="en-US"/>
+          </a:p>
+        </p:txBody>
+      </p:sp>
+      <p:sp>
+        <p:nvSpPr>
+          <p:cNvPr id="7" name="Slide Number Placeholder 6"/>
+          <p:cNvSpPr>
+            <a:spLocks noGrp="1"/>
+          </p:cNvSpPr>
+          <p:nvPr>
+            <p:ph type="sldNum" sz="quarter" idx="5"/>
+          </p:nvPr>
+        </p:nvSpPr>
+        <p:spPr>
+          <a:xfrm>
+            <a:off x="3884613" y="8685213"/>
+            <a:ext cx="2971800" cy="458787"/>
+          </a:xfrm>
+          <a:prstGeom prst="rect">
+            <a:avLst/>
+          </a:prstGeom>
+        </p:spPr>
+        <p:txBody>
+          <a:bodyPr vert="horz" lIns="91440" tIns="45720" rIns="91440" bIns="45720" rtlCol="0" anchor="b"/>
+          <a:lstStyle>
+            <a:lvl1pPr algn="r">
+              <a:defRPr sz="1200"/>
+            </a:lvl1pPr>
+          </a:lstStyle>
+          <a:p>
+            <a:fld id="{04AF32A1-A46D-45CF-B676-21FD477F8C89}" type="slidenum">
+              <a:rPr lang="en-US" smtClean="0"/>
+              <a:t>‹#›</a:t>
+            </a:fld>
+            <a:endParaRPr lang="en-US"/>
+          </a:p>
+        </p:txBody>
+      </p:sp>
+    </p:spTree>
+    <p:extLst>
+      <p:ext uri="{BB962C8B-B14F-4D97-AF65-F5344CB8AC3E}">
+        <p14:creationId xmlns:p14="http://schemas.microsoft.com/office/powerpoint/2010/main" val="3949473230"/>
+      </p:ext>
+    </p:extLst>
+  </p:cSld>
+  <p:clrMap bg1="lt1" tx1="dk1" bg2="lt2" tx2="dk2" accent1="accent1" accent2="accent2" accent3="accent3" accent4="accent4" accent5="accent5" accent6="accent6" hlink="hlink" folHlink="folHlink"/>
+  <p:notesStyle>
+    <a:lvl1pPr marL="0" algn="l" defTabSz="914400" rtl="0" eaLnBrk="1" latinLnBrk="0" hangingPunct="1">
+      <a:defRPr sz="1200" kern="1200">
+        <a:solidFill>
+          <a:schemeClr val="tx1"/>
+        </a:solidFill>
+        <a:latin typeface="+mn-lt"/>
+        <a:ea typeface="+mn-ea"/>
+        <a:cs typeface="+mn-cs"/>
+      </a:defRPr>
+    </a:lvl1pPr>
+    <a:lvl2pPr marL="457200" algn="l" defTabSz="914400" rtl="0" eaLnBrk="1" latinLnBrk="0" hangingPunct="1">
+      <a:defRPr sz="1200" kern="1200">
+        <a:solidFill>
+          <a:schemeClr val="tx1"/>
+        </a:solidFill>
+        <a:latin typeface="+mn-lt"/>
+        <a:ea typeface="+mn-ea"/>
+        <a:cs typeface="+mn-cs"/>
+      </a:defRPr>
+    </a:lvl2pPr>
+    <a:lvl3pPr marL="914400" algn="l" defTabSz="914400" rtl="0" eaLnBrk="1" latinLnBrk="0" hangingPunct="1">
+      <a:defRPr sz="1200" kern="1200">
+        <a:solidFill>
+          <a:schemeClr val="tx1"/>
+        </a:solidFill>
+        <a:latin typeface="+mn-lt"/>
+        <a:ea typeface="+mn-ea"/>
+        <a:cs typeface="+mn-cs"/>
+      </a:defRPr>
+    </a:lvl3pPr>
+    <a:lvl4pPr marL="1371600" algn="l" defTabSz="914400" rtl="0" eaLnBrk="1" latinLnBrk="0" hangingPunct="1">
+      <a:defRPr sz="1200" kern="1200">
+        <a:solidFill>
+          <a:schemeClr val="tx1"/>
+        </a:solidFill>
+        <a:latin typeface="+mn-lt"/>
+        <a:ea typeface="+mn-ea"/>
+        <a:cs typeface="+mn-cs"/>
+      </a:defRPr>
+    </a:lvl4pPr>
+    <a:lvl5pPr marL="1828800" algn="l" defTabSz="914400" rtl="0" eaLnBrk="1" latinLnBrk="0" hangingPunct="1">
+      <a:defRPr sz="1200" kern="1200">
+        <a:solidFill>
+          <a:schemeClr val="tx1"/>
+        </a:solidFill>
+        <a:latin typeface="+mn-lt"/>
+        <a:ea typeface="+mn-ea"/>
+        <a:cs typeface="+mn-cs"/>
+      </a:defRPr>
+    </a:lvl5pPr>
+    <a:lvl6pPr marL="2286000" algn="l" defTabSz="914400" rtl="0" eaLnBrk="1" latinLnBrk="0" hangingPunct="1">
+      <a:defRPr sz="1200" kern="1200">
+        <a:solidFill>
+          <a:schemeClr val="tx1"/>
+        </a:solidFill>
+        <a:latin typeface="+mn-lt"/>
+        <a:ea typeface="+mn-ea"/>
+        <a:cs typeface="+mn-cs"/>
+      </a:defRPr>
+    </a:lvl6pPr>
+    <a:lvl7pPr marL="2743200" algn="l" defTabSz="914400" rtl="0" eaLnBrk="1" latinLnBrk="0" hangingPunct="1">
+      <a:defRPr sz="1200" kern="1200">
+        <a:solidFill>
+          <a:schemeClr val="tx1"/>
+        </a:solidFill>
+        <a:latin typeface="+mn-lt"/>
+        <a:ea typeface="+mn-ea"/>
+        <a:cs typeface="+mn-cs"/>
+      </a:defRPr>
+    </a:lvl7pPr>
+    <a:lvl8pPr marL="3200400" algn="l" defTabSz="914400" rtl="0" eaLnBrk="1" latinLnBrk="0" hangingPunct="1">
+      <a:defRPr sz="1200" kern="1200">
+        <a:solidFill>
+          <a:schemeClr val="tx1"/>
+        </a:solidFill>
+        <a:latin typeface="+mn-lt"/>
+        <a:ea typeface="+mn-ea"/>
+        <a:cs typeface="+mn-cs"/>
+      </a:defRPr>
+    </a:lvl8pPr>
+    <a:lvl9pPr marL="3657600" algn="l" defTabSz="914400" rtl="0" eaLnBrk="1" latinLnBrk="0" hangingPunct="1">
+      <a:defRPr sz="1200" kern="1200">
+        <a:solidFill>
+          <a:schemeClr val="tx1"/>
+        </a:solidFill>
+        <a:latin typeface="+mn-lt"/>
+        <a:ea typeface="+mn-ea"/>
+        <a:cs typeface="+mn-cs"/>
+      </a:defRPr>
+    </a:lvl9pPr>
+  </p:notesStyle>
+</p:notesMaster>
+</file>
+
+<file path=ppt/notesSlides/notesSlide1.xml><?xml version="1.0" encoding="utf-8"?>
+<p:notes xmlns:a="http://schemas.openxmlformats.org/drawingml/2006/main" xmlns:r="http://schemas.openxmlformats.org/officeDocument/2006/relationships" xmlns:p="http://schemas.openxmlformats.org/presentationml/2006/main">
+  <p:cSld>
+    <p:spTree>
+      <p:nvGrpSpPr>
+        <p:cNvPr id="1" name=""/>
+        <p:cNvGrpSpPr/>
+        <p:nvPr/>
+      </p:nvGrpSpPr>
+      <p:grpSpPr>
+        <a:xfrm>
+          <a:off x="0" y="0"/>
+          <a:ext cx="0" cy="0"/>
+          <a:chOff x="0" y="0"/>
+          <a:chExt cx="0" cy="0"/>
+        </a:xfrm>
+      </p:grpSpPr>
+      <p:sp>
+        <p:nvSpPr>
+          <p:cNvPr id="2" name="Slide Image Placeholder 1"/>
+          <p:cNvSpPr>
+            <a:spLocks noGrp="1" noRot="1" noChangeAspect="1"/>
+          </p:cNvSpPr>
+          <p:nvPr>
+            <p:ph type="sldImg"/>
+          </p:nvPr>
+        </p:nvSpPr>
+        <p:spPr/>
+      </p:sp>
+      <p:sp>
+        <p:nvSpPr>
+          <p:cNvPr id="3" name="Notes Placeholder 2"/>
+          <p:cNvSpPr>
+            <a:spLocks noGrp="1"/>
+          </p:cNvSpPr>
+          <p:nvPr>
+            <p:ph type="body" idx="1"/>
+          </p:nvPr>
+        </p:nvSpPr>
+        <p:spPr/>
+        <p:txBody>
+          <a:bodyPr/>
+          <a:lstStyle/>
+          <a:p>
+            <a:endParaRPr lang="en-US" dirty="0"/>
+          </a:p>
+        </p:txBody>
+      </p:sp>
+      <p:sp>
+        <p:nvSpPr>
+          <p:cNvPr id="4" name="Slide Number Placeholder 3"/>
+          <p:cNvSpPr>
+            <a:spLocks noGrp="1"/>
+          </p:cNvSpPr>
+          <p:nvPr>
+            <p:ph type="sldNum" sz="quarter" idx="10"/>
+          </p:nvPr>
+        </p:nvSpPr>
+        <p:spPr/>
+        <p:txBody>
+          <a:bodyPr/>
+          <a:lstStyle/>
+          <a:p>
+            <a:fld id="{4A8C0839-A752-4026-B076-2AA4A81C1342}" type="slidenum">
+              <a:rPr lang="en-US" smtClean="0"/>
+              <a:t>7</a:t>
+            </a:fld>
+            <a:endParaRPr lang="en-US"/>
+          </a:p>
+        </p:txBody>
+      </p:sp>
+    </p:spTree>
+    <p:extLst>
+      <p:ext uri="{BB962C8B-B14F-4D97-AF65-F5344CB8AC3E}">
+        <p14:creationId xmlns:p14="http://schemas.microsoft.com/office/powerpoint/2010/main" val="3445569138"/>
+      </p:ext>
+    </p:extLst>
+  </p:cSld>
+  <p:clrMapOvr>
+    <a:masterClrMapping/>
+  </p:clrMapOvr>
+</p:notes>
 </file>
 
 <file path=ppt/slideLayouts/slideLayout1.xml><?xml version="1.0" encoding="utf-8"?>
@@ -283,7 +716,7 @@
           <a:p>
             <a:fld id="{867FABA3-ED0B-4261-91FE-267A5EF94074}" type="datetimeFigureOut">
               <a:rPr lang="en-US" smtClean="0"/>
-              <a:t>10/18/2017</a:t>
+              <a:t>5/20/2018</a:t>
             </a:fld>
             <a:endParaRPr lang="en-US" dirty="0"/>
           </a:p>
@@ -481,7 +914,7 @@
           <a:p>
             <a:fld id="{867FABA3-ED0B-4261-91FE-267A5EF94074}" type="datetimeFigureOut">
               <a:rPr lang="en-US" smtClean="0"/>
-              <a:t>10/18/2017</a:t>
+              <a:t>5/20/2018</a:t>
             </a:fld>
             <a:endParaRPr lang="en-US" dirty="0"/>
           </a:p>
@@ -689,7 +1122,7 @@
           <a:p>
             <a:fld id="{867FABA3-ED0B-4261-91FE-267A5EF94074}" type="datetimeFigureOut">
               <a:rPr lang="en-US" smtClean="0"/>
-              <a:t>10/18/2017</a:t>
+              <a:t>5/20/2018</a:t>
             </a:fld>
             <a:endParaRPr lang="en-US" dirty="0"/>
           </a:p>
@@ -753,6 +1186,228 @@
     <p:extLst>
       <p:ext uri="{BB962C8B-B14F-4D97-AF65-F5344CB8AC3E}">
         <p14:creationId xmlns:p14="http://schemas.microsoft.com/office/powerpoint/2010/main" val="2213293807"/>
+      </p:ext>
+    </p:extLst>
+  </p:cSld>
+  <p:clrMapOvr>
+    <a:masterClrMapping/>
+  </p:clrMapOvr>
+</p:sldLayout>
+</file>
+
+<file path=ppt/slideLayouts/slideLayout12.xml><?xml version="1.0" encoding="utf-8"?>
+<p:sldLayout xmlns:a="http://schemas.openxmlformats.org/drawingml/2006/main" xmlns:r="http://schemas.openxmlformats.org/officeDocument/2006/relationships" xmlns:p="http://schemas.openxmlformats.org/presentationml/2006/main" type="obj">
+  <p:cSld name="1_Title and Content">
+    <p:spTree>
+      <p:nvGrpSpPr>
+        <p:cNvPr id="1" name=""/>
+        <p:cNvGrpSpPr/>
+        <p:nvPr/>
+      </p:nvGrpSpPr>
+      <p:grpSpPr>
+        <a:xfrm>
+          <a:off x="0" y="0"/>
+          <a:ext cx="0" cy="0"/>
+          <a:chOff x="0" y="0"/>
+          <a:chExt cx="0" cy="0"/>
+        </a:xfrm>
+      </p:grpSpPr>
+      <p:sp>
+        <p:nvSpPr>
+          <p:cNvPr id="9" name="Rectangle 8"/>
+          <p:cNvSpPr/>
+          <p:nvPr/>
+        </p:nvSpPr>
+        <p:spPr>
+          <a:xfrm>
+            <a:off x="0" y="0"/>
+            <a:ext cx="12192000" cy="6858000"/>
+          </a:xfrm>
+          <a:prstGeom prst="rect">
+            <a:avLst/>
+          </a:prstGeom>
+          <a:solidFill>
+            <a:schemeClr val="bg1">
+              <a:alpha val="50000"/>
+            </a:schemeClr>
+          </a:solidFill>
+          <a:ln>
+            <a:noFill/>
+          </a:ln>
+        </p:spPr>
+        <p:style>
+          <a:lnRef idx="2">
+            <a:schemeClr val="accent1">
+              <a:shade val="50000"/>
+            </a:schemeClr>
+          </a:lnRef>
+          <a:fillRef idx="1">
+            <a:schemeClr val="accent1"/>
+          </a:fillRef>
+          <a:effectRef idx="0">
+            <a:schemeClr val="accent1"/>
+          </a:effectRef>
+          <a:fontRef idx="minor">
+            <a:schemeClr val="lt1"/>
+          </a:fontRef>
+        </p:style>
+        <p:txBody>
+          <a:bodyPr rtlCol="0" anchor="ctr"/>
+          <a:lstStyle/>
+          <a:p>
+            <a:pPr algn="ctr"/>
+            <a:endParaRPr lang="en-US" sz="1800"/>
+          </a:p>
+        </p:txBody>
+      </p:sp>
+      <p:sp>
+        <p:nvSpPr>
+          <p:cNvPr id="31" name="Content Placeholder 30"/>
+          <p:cNvSpPr>
+            <a:spLocks noGrp="1"/>
+          </p:cNvSpPr>
+          <p:nvPr>
+            <p:ph sz="quarter" idx="13"/>
+          </p:nvPr>
+        </p:nvSpPr>
+        <p:spPr>
+          <a:xfrm>
+            <a:off x="469901" y="1463040"/>
+            <a:ext cx="10241280" cy="4724400"/>
+          </a:xfrm>
+        </p:spPr>
+        <p:txBody>
+          <a:bodyPr/>
+          <a:lstStyle/>
+          <a:p>
+            <a:pPr lvl="0"/>
+            <a:r>
+              <a:rPr lang="en-US"/>
+              <a:t>Click to edit Master text styles</a:t>
+            </a:r>
+          </a:p>
+          <a:p>
+            <a:pPr lvl="1"/>
+            <a:r>
+              <a:rPr lang="en-US"/>
+              <a:t>Second level</a:t>
+            </a:r>
+          </a:p>
+          <a:p>
+            <a:pPr lvl="2"/>
+            <a:r>
+              <a:rPr lang="en-US"/>
+              <a:t>Third level</a:t>
+            </a:r>
+          </a:p>
+          <a:p>
+            <a:pPr lvl="3"/>
+            <a:r>
+              <a:rPr lang="en-US"/>
+              <a:t>Fourth level</a:t>
+            </a:r>
+          </a:p>
+          <a:p>
+            <a:pPr lvl="4"/>
+            <a:r>
+              <a:rPr lang="en-US"/>
+              <a:t>Fifth level</a:t>
+            </a:r>
+            <a:endParaRPr lang="en-US" dirty="0"/>
+          </a:p>
+        </p:txBody>
+      </p:sp>
+      <p:sp>
+        <p:nvSpPr>
+          <p:cNvPr id="12" name="Date Placeholder 11"/>
+          <p:cNvSpPr>
+            <a:spLocks noGrp="1"/>
+          </p:cNvSpPr>
+          <p:nvPr>
+            <p:ph type="dt" sz="half" idx="14"/>
+          </p:nvPr>
+        </p:nvSpPr>
+        <p:spPr/>
+        <p:txBody>
+          <a:bodyPr/>
+          <a:lstStyle/>
+          <a:p>
+            <a:r>
+              <a:rPr lang="en-US" dirty="0"/>
+              <a:t>Oct. 2017</a:t>
+            </a:r>
+          </a:p>
+        </p:txBody>
+      </p:sp>
+      <p:sp>
+        <p:nvSpPr>
+          <p:cNvPr id="19" name="Slide Number Placeholder 18"/>
+          <p:cNvSpPr>
+            <a:spLocks noGrp="1"/>
+          </p:cNvSpPr>
+          <p:nvPr>
+            <p:ph type="sldNum" sz="quarter" idx="15"/>
+          </p:nvPr>
+        </p:nvSpPr>
+        <p:spPr/>
+        <p:txBody>
+          <a:bodyPr/>
+          <a:lstStyle/>
+          <a:p>
+            <a:fld id="{987D7693-E132-40A2-A808-4CF056E677D9}" type="slidenum">
+              <a:rPr lang="en-US" smtClean="0"/>
+              <a:t>‹#›</a:t>
+            </a:fld>
+            <a:endParaRPr lang="en-US" dirty="0"/>
+          </a:p>
+        </p:txBody>
+      </p:sp>
+      <p:sp>
+        <p:nvSpPr>
+          <p:cNvPr id="21" name="Footer Placeholder 20"/>
+          <p:cNvSpPr>
+            <a:spLocks noGrp="1"/>
+          </p:cNvSpPr>
+          <p:nvPr>
+            <p:ph type="ftr" sz="quarter" idx="16"/>
+          </p:nvPr>
+        </p:nvSpPr>
+        <p:spPr/>
+        <p:txBody>
+          <a:bodyPr/>
+          <a:lstStyle/>
+          <a:p>
+            <a:endParaRPr lang="en-US" dirty="0"/>
+          </a:p>
+        </p:txBody>
+      </p:sp>
+      <p:sp>
+        <p:nvSpPr>
+          <p:cNvPr id="8" name="Title 7"/>
+          <p:cNvSpPr>
+            <a:spLocks noGrp="1"/>
+          </p:cNvSpPr>
+          <p:nvPr>
+            <p:ph type="title"/>
+          </p:nvPr>
+        </p:nvSpPr>
+        <p:spPr/>
+        <p:txBody>
+          <a:bodyPr/>
+          <a:lstStyle/>
+          <a:p>
+            <a:r>
+              <a:rPr lang="en-US"/>
+              <a:t>Click to edit Master title style</a:t>
+            </a:r>
+            <a:endParaRPr lang="en-US" dirty="0"/>
+          </a:p>
+        </p:txBody>
+      </p:sp>
+    </p:spTree>
+    <p:extLst>
+      <p:ext uri="{BB962C8B-B14F-4D97-AF65-F5344CB8AC3E}">
+        <p14:creationId xmlns:p14="http://schemas.microsoft.com/office/powerpoint/2010/main" val="2526848587"/>
       </p:ext>
     </p:extLst>
   </p:cSld>
@@ -887,7 +1542,7 @@
           <a:p>
             <a:fld id="{867FABA3-ED0B-4261-91FE-267A5EF94074}" type="datetimeFigureOut">
               <a:rPr lang="en-US" smtClean="0"/>
-              <a:t>10/18/2017</a:t>
+              <a:t>5/20/2018</a:t>
             </a:fld>
             <a:endParaRPr lang="en-US" dirty="0"/>
           </a:p>
@@ -1162,7 +1817,7 @@
           <a:p>
             <a:fld id="{867FABA3-ED0B-4261-91FE-267A5EF94074}" type="datetimeFigureOut">
               <a:rPr lang="en-US" smtClean="0"/>
-              <a:t>10/18/2017</a:t>
+              <a:t>5/20/2018</a:t>
             </a:fld>
             <a:endParaRPr lang="en-US" dirty="0"/>
           </a:p>
@@ -1427,7 +2082,7 @@
           <a:p>
             <a:fld id="{867FABA3-ED0B-4261-91FE-267A5EF94074}" type="datetimeFigureOut">
               <a:rPr lang="en-US" smtClean="0"/>
-              <a:t>10/18/2017</a:t>
+              <a:t>5/20/2018</a:t>
             </a:fld>
             <a:endParaRPr lang="en-US" dirty="0"/>
           </a:p>
@@ -1839,7 +2494,7 @@
           <a:p>
             <a:fld id="{867FABA3-ED0B-4261-91FE-267A5EF94074}" type="datetimeFigureOut">
               <a:rPr lang="en-US" smtClean="0"/>
-              <a:t>10/18/2017</a:t>
+              <a:t>5/20/2018</a:t>
             </a:fld>
             <a:endParaRPr lang="en-US" dirty="0"/>
           </a:p>
@@ -1980,7 +2635,7 @@
           <a:p>
             <a:fld id="{867FABA3-ED0B-4261-91FE-267A5EF94074}" type="datetimeFigureOut">
               <a:rPr lang="en-US" smtClean="0"/>
-              <a:t>10/18/2017</a:t>
+              <a:t>5/20/2018</a:t>
             </a:fld>
             <a:endParaRPr lang="en-US" dirty="0"/>
           </a:p>
@@ -2093,7 +2748,7 @@
           <a:p>
             <a:fld id="{867FABA3-ED0B-4261-91FE-267A5EF94074}" type="datetimeFigureOut">
               <a:rPr lang="en-US" smtClean="0"/>
-              <a:t>10/18/2017</a:t>
+              <a:t>5/20/2018</a:t>
             </a:fld>
             <a:endParaRPr lang="en-US" dirty="0"/>
           </a:p>
@@ -2404,7 +3059,7 @@
           <a:p>
             <a:fld id="{867FABA3-ED0B-4261-91FE-267A5EF94074}" type="datetimeFigureOut">
               <a:rPr lang="en-US" smtClean="0"/>
-              <a:t>10/18/2017</a:t>
+              <a:t>5/20/2018</a:t>
             </a:fld>
             <a:endParaRPr lang="en-US" dirty="0"/>
           </a:p>
@@ -2692,7 +3347,7 @@
           <a:p>
             <a:fld id="{867FABA3-ED0B-4261-91FE-267A5EF94074}" type="datetimeFigureOut">
               <a:rPr lang="en-US" smtClean="0"/>
-              <a:t>10/18/2017</a:t>
+              <a:t>5/20/2018</a:t>
             </a:fld>
             <a:endParaRPr lang="en-US" dirty="0"/>
           </a:p>
@@ -2933,7 +3588,7 @@
           <a:p>
             <a:fld id="{867FABA3-ED0B-4261-91FE-267A5EF94074}" type="datetimeFigureOut">
               <a:rPr lang="en-US" smtClean="0"/>
-              <a:t>10/18/2017</a:t>
+              <a:t>5/20/2018</a:t>
             </a:fld>
             <a:endParaRPr lang="en-US" dirty="0"/>
           </a:p>
@@ -3049,6 +3704,7 @@
     <p:sldLayoutId id="2147483657" r:id="rId9"/>
     <p:sldLayoutId id="2147483658" r:id="rId10"/>
     <p:sldLayoutId id="2147483659" r:id="rId11"/>
+    <p:sldLayoutId id="2147483660" r:id="rId12"/>
   </p:sldLayoutIdLst>
   <p:txStyles>
     <p:titleStyle>
@@ -3526,6 +4182,101 @@
           <a:chExt cx="0" cy="0"/>
         </a:xfrm>
       </p:grpSpPr>
+      <p:pic>
+        <p:nvPicPr>
+          <p:cNvPr id="3" name="Picture 2">
+            <a:extLst>
+              <a:ext uri="{FF2B5EF4-FFF2-40B4-BE49-F238E27FC236}">
+                <a16:creationId xmlns:a16="http://schemas.microsoft.com/office/drawing/2014/main" id="{48702504-59B6-466F-BDD1-35F25C5E521D}"/>
+              </a:ext>
+            </a:extLst>
+          </p:cNvPr>
+          <p:cNvPicPr>
+            <a:picLocks noChangeAspect="1"/>
+          </p:cNvPicPr>
+          <p:nvPr/>
+        </p:nvPicPr>
+        <p:blipFill>
+          <a:blip r:embed="rId2"/>
+          <a:stretch>
+            <a:fillRect/>
+          </a:stretch>
+        </p:blipFill>
+        <p:spPr>
+          <a:xfrm>
+            <a:off x="1008906" y="0"/>
+            <a:ext cx="11422076" cy="6858000"/>
+          </a:xfrm>
+          <a:prstGeom prst="rect">
+            <a:avLst/>
+          </a:prstGeom>
+        </p:spPr>
+      </p:pic>
+      <p:sp>
+        <p:nvSpPr>
+          <p:cNvPr id="4" name="TextBox 3">
+            <a:extLst>
+              <a:ext uri="{FF2B5EF4-FFF2-40B4-BE49-F238E27FC236}">
+                <a16:creationId xmlns:a16="http://schemas.microsoft.com/office/drawing/2014/main" id="{7D34D3E7-84A2-4EF9-808F-431BF4284C84}"/>
+              </a:ext>
+            </a:extLst>
+          </p:cNvPr>
+          <p:cNvSpPr txBox="1"/>
+          <p:nvPr/>
+        </p:nvSpPr>
+        <p:spPr>
+          <a:xfrm rot="16200000">
+            <a:off x="-400988" y="3198167"/>
+            <a:ext cx="1539717" cy="461665"/>
+          </a:xfrm>
+          <a:prstGeom prst="rect">
+            <a:avLst/>
+          </a:prstGeom>
+          <a:noFill/>
+        </p:spPr>
+        <p:txBody>
+          <a:bodyPr wrap="none" rtlCol="0">
+            <a:spAutoFit/>
+          </a:bodyPr>
+          <a:lstStyle/>
+          <a:p>
+            <a:r>
+              <a:rPr lang="en-US" sz="2400" dirty="0"/>
+              <a:t>Definitions</a:t>
+            </a:r>
+          </a:p>
+        </p:txBody>
+      </p:sp>
+    </p:spTree>
+    <p:extLst>
+      <p:ext uri="{BB962C8B-B14F-4D97-AF65-F5344CB8AC3E}">
+        <p14:creationId xmlns:p14="http://schemas.microsoft.com/office/powerpoint/2010/main" val="3232177047"/>
+      </p:ext>
+    </p:extLst>
+  </p:cSld>
+  <p:clrMapOvr>
+    <a:masterClrMapping/>
+  </p:clrMapOvr>
+</p:sld>
+</file>
+
+<file path=ppt/slides/slide11.xml><?xml version="1.0" encoding="utf-8"?>
+<p:sld xmlns:a="http://schemas.openxmlformats.org/drawingml/2006/main" xmlns:r="http://schemas.openxmlformats.org/officeDocument/2006/relationships" xmlns:p="http://schemas.openxmlformats.org/presentationml/2006/main">
+  <p:cSld>
+    <p:spTree>
+      <p:nvGrpSpPr>
+        <p:cNvPr id="1" name=""/>
+        <p:cNvGrpSpPr/>
+        <p:nvPr/>
+      </p:nvGrpSpPr>
+      <p:grpSpPr>
+        <a:xfrm>
+          <a:off x="0" y="0"/>
+          <a:ext cx="0" cy="0"/>
+          <a:chOff x="0" y="0"/>
+          <a:chExt cx="0" cy="0"/>
+        </a:xfrm>
+      </p:grpSpPr>
       <p:sp>
         <p:nvSpPr>
           <p:cNvPr id="2" name="Title 1">
@@ -3776,7 +4527,7 @@
 </p:sld>
 </file>
 
-<file path=ppt/slides/slide11.xml><?xml version="1.0" encoding="utf-8"?>
+<file path=ppt/slides/slide12.xml><?xml version="1.0" encoding="utf-8"?>
 <p:sld xmlns:a="http://schemas.openxmlformats.org/drawingml/2006/main" xmlns:r="http://schemas.openxmlformats.org/officeDocument/2006/relationships" xmlns:p="http://schemas.openxmlformats.org/presentationml/2006/main">
   <p:cSld>
     <p:spTree>
@@ -3906,7 +4657,7 @@
 </p:sld>
 </file>
 
-<file path=ppt/slides/slide12.xml><?xml version="1.0" encoding="utf-8"?>
+<file path=ppt/slides/slide13.xml><?xml version="1.0" encoding="utf-8"?>
 <p:sld xmlns:a="http://schemas.openxmlformats.org/drawingml/2006/main" xmlns:r="http://schemas.openxmlformats.org/officeDocument/2006/relationships" xmlns:p="http://schemas.openxmlformats.org/presentationml/2006/main">
   <p:cSld>
     <p:spTree>
@@ -4118,7 +4869,7 @@
 </p:sld>
 </file>
 
-<file path=ppt/slides/slide13.xml><?xml version="1.0" encoding="utf-8"?>
+<file path=ppt/slides/slide14.xml><?xml version="1.0" encoding="utf-8"?>
 <p:sld xmlns:a="http://schemas.openxmlformats.org/drawingml/2006/main" xmlns:r="http://schemas.openxmlformats.org/officeDocument/2006/relationships" xmlns:p="http://schemas.openxmlformats.org/presentationml/2006/main">
   <p:cSld>
     <p:spTree>
@@ -4356,7 +5107,7 @@
 </p:sld>
 </file>
 
-<file path=ppt/slides/slide14.xml><?xml version="1.0" encoding="utf-8"?>
+<file path=ppt/slides/slide15.xml><?xml version="1.0" encoding="utf-8"?>
 <p:sld xmlns:a="http://schemas.openxmlformats.org/drawingml/2006/main" xmlns:r="http://schemas.openxmlformats.org/officeDocument/2006/relationships" xmlns:p="http://schemas.openxmlformats.org/presentationml/2006/main">
   <p:cSld>
     <p:spTree>
@@ -4726,7 +5477,7 @@
 </p:sld>
 </file>
 
-<file path=ppt/slides/slide15.xml><?xml version="1.0" encoding="utf-8"?>
+<file path=ppt/slides/slide16.xml><?xml version="1.0" encoding="utf-8"?>
 <p:sld xmlns:a="http://schemas.openxmlformats.org/drawingml/2006/main" xmlns:r="http://schemas.openxmlformats.org/officeDocument/2006/relationships" xmlns:p="http://schemas.openxmlformats.org/presentationml/2006/main">
   <p:cSld>
     <p:spTree>
@@ -4821,7 +5572,7 @@
 </p:sld>
 </file>
 
-<file path=ppt/slides/slide16.xml><?xml version="1.0" encoding="utf-8"?>
+<file path=ppt/slides/slide17.xml><?xml version="1.0" encoding="utf-8"?>
 <p:sld xmlns:a="http://schemas.openxmlformats.org/drawingml/2006/main" xmlns:r="http://schemas.openxmlformats.org/officeDocument/2006/relationships" xmlns:p="http://schemas.openxmlformats.org/presentationml/2006/main">
   <p:cSld>
     <p:spTree>
@@ -4922,7 +5673,7 @@
 </p:sld>
 </file>
 
-<file path=ppt/slides/slide17.xml><?xml version="1.0" encoding="utf-8"?>
+<file path=ppt/slides/slide18.xml><?xml version="1.0" encoding="utf-8"?>
 <p:sld xmlns:a="http://schemas.openxmlformats.org/drawingml/2006/main" xmlns:r="http://schemas.openxmlformats.org/officeDocument/2006/relationships" xmlns:p="http://schemas.openxmlformats.org/presentationml/2006/main">
   <p:cSld>
     <p:spTree>
@@ -5017,7 +5768,7 @@
 </p:sld>
 </file>
 
-<file path=ppt/slides/slide18.xml><?xml version="1.0" encoding="utf-8"?>
+<file path=ppt/slides/slide19.xml><?xml version="1.0" encoding="utf-8"?>
 <p:sld xmlns:a="http://schemas.openxmlformats.org/drawingml/2006/main" xmlns:r="http://schemas.openxmlformats.org/officeDocument/2006/relationships" xmlns:p="http://schemas.openxmlformats.org/presentationml/2006/main">
   <p:cSld>
     <p:spTree>
@@ -5077,7 +5828,202 @@
 </p:sld>
 </file>
 
-<file path=ppt/slides/slide19.xml><?xml version="1.0" encoding="utf-8"?>
+<file path=ppt/slides/slide2.xml><?xml version="1.0" encoding="utf-8"?>
+<p:sld xmlns:a="http://schemas.openxmlformats.org/drawingml/2006/main" xmlns:r="http://schemas.openxmlformats.org/officeDocument/2006/relationships" xmlns:p="http://schemas.openxmlformats.org/presentationml/2006/main">
+  <p:cSld>
+    <p:spTree>
+      <p:nvGrpSpPr>
+        <p:cNvPr id="1" name=""/>
+        <p:cNvGrpSpPr/>
+        <p:nvPr/>
+      </p:nvGrpSpPr>
+      <p:grpSpPr>
+        <a:xfrm>
+          <a:off x="0" y="0"/>
+          <a:ext cx="0" cy="0"/>
+          <a:chOff x="0" y="0"/>
+          <a:chExt cx="0" cy="0"/>
+        </a:xfrm>
+      </p:grpSpPr>
+      <p:sp>
+        <p:nvSpPr>
+          <p:cNvPr id="2" name="Title 1">
+            <a:extLst>
+              <a:ext uri="{FF2B5EF4-FFF2-40B4-BE49-F238E27FC236}">
+                <a16:creationId xmlns:a16="http://schemas.microsoft.com/office/drawing/2014/main" id="{465E10C6-7C43-404C-8CE2-0A2B384117BB}"/>
+              </a:ext>
+            </a:extLst>
+          </p:cNvPr>
+          <p:cNvSpPr>
+            <a:spLocks noGrp="1"/>
+          </p:cNvSpPr>
+          <p:nvPr>
+            <p:ph type="title"/>
+          </p:nvPr>
+        </p:nvSpPr>
+        <p:spPr/>
+        <p:txBody>
+          <a:bodyPr/>
+          <a:lstStyle/>
+          <a:p>
+            <a:r>
+              <a:rPr lang="en-US" dirty="0"/>
+              <a:t>Scope</a:t>
+            </a:r>
+          </a:p>
+        </p:txBody>
+      </p:sp>
+      <p:sp>
+        <p:nvSpPr>
+          <p:cNvPr id="3" name="Content Placeholder 2">
+            <a:extLst>
+              <a:ext uri="{FF2B5EF4-FFF2-40B4-BE49-F238E27FC236}">
+                <a16:creationId xmlns:a16="http://schemas.microsoft.com/office/drawing/2014/main" id="{ECA0B61C-C0F0-445F-A12A-B0282221BB17}"/>
+              </a:ext>
+            </a:extLst>
+          </p:cNvPr>
+          <p:cNvSpPr>
+            <a:spLocks noGrp="1"/>
+          </p:cNvSpPr>
+          <p:nvPr>
+            <p:ph idx="1"/>
+          </p:nvPr>
+        </p:nvSpPr>
+        <p:spPr/>
+        <p:txBody>
+          <a:bodyPr>
+            <a:normAutofit fontScale="77500" lnSpcReduction="20000"/>
+          </a:bodyPr>
+          <a:lstStyle/>
+          <a:p>
+            <a:r>
+              <a:rPr lang="en-US" dirty="0"/>
+              <a:t>Values are distinguished from “identifiable entities”</a:t>
+            </a:r>
+          </a:p>
+          <a:p>
+            <a:r>
+              <a:rPr lang="en-US" dirty="0"/>
+              <a:t>Values</a:t>
+            </a:r>
+          </a:p>
+          <a:p>
+            <a:pPr lvl="1"/>
+            <a:r>
+              <a:rPr lang="en-US" dirty="0"/>
+              <a:t>Values have an identity identical with their value/content (represented in any way)</a:t>
+            </a:r>
+          </a:p>
+          <a:p>
+            <a:pPr lvl="1"/>
+            <a:r>
+              <a:rPr lang="en-US" dirty="0"/>
+              <a:t>Values are Immutable and non-temporal (the number 5 just “is”)</a:t>
+            </a:r>
+          </a:p>
+          <a:p>
+            <a:pPr lvl="1"/>
+            <a:r>
+              <a:rPr lang="en-US" dirty="0"/>
+              <a:t>Different representations of the same value represent the same value universally</a:t>
+            </a:r>
+          </a:p>
+          <a:p>
+            <a:r>
+              <a:rPr lang="en-US" dirty="0"/>
+              <a:t>Quantities – amounts of things measured in any way</a:t>
+            </a:r>
+          </a:p>
+          <a:p>
+            <a:pPr lvl="1"/>
+            <a:r>
+              <a:rPr lang="en-US" dirty="0"/>
+              <a:t>JCGM: property of a phenomenon, body, or substance, where the property has a magnitude that can be expressed as a number and a reference</a:t>
+            </a:r>
+          </a:p>
+          <a:p>
+            <a:pPr lvl="2"/>
+            <a:r>
+              <a:rPr lang="en-US" dirty="0"/>
+              <a:t>Example: 5kg of fish</a:t>
+            </a:r>
+          </a:p>
+          <a:p>
+            <a:pPr lvl="1"/>
+            <a:r>
+              <a:rPr lang="en-US" dirty="0"/>
+              <a:t>Consider also “counts of things” – e.g. 5 fish.</a:t>
+            </a:r>
+          </a:p>
+          <a:p>
+            <a:r>
+              <a:rPr lang="en-US" dirty="0"/>
+              <a:t>Units – accepted by convention as representing kinds of quantities</a:t>
+            </a:r>
+          </a:p>
+          <a:p>
+            <a:pPr lvl="1"/>
+            <a:r>
+              <a:rPr lang="en-US" dirty="0"/>
+              <a:t>JCGM: real scalar </a:t>
+            </a:r>
+            <a:r>
+              <a:rPr lang="en-US" b="1" dirty="0"/>
+              <a:t>quantity, </a:t>
+            </a:r>
+            <a:r>
+              <a:rPr lang="en-US" dirty="0"/>
+              <a:t>defined and adopted by convention, with which any other quantity of the same </a:t>
+            </a:r>
+            <a:r>
+              <a:rPr lang="en-US" b="1" dirty="0"/>
+              <a:t>kind </a:t>
+            </a:r>
+            <a:r>
+              <a:rPr lang="en-US" dirty="0"/>
+              <a:t>can be compared to express the ratio of the two quantities as a number</a:t>
+            </a:r>
+          </a:p>
+          <a:p>
+            <a:pPr lvl="1"/>
+            <a:r>
+              <a:rPr lang="en-US" dirty="0"/>
+              <a:t>Example: Kilogram</a:t>
+            </a:r>
+          </a:p>
+          <a:p>
+            <a:r>
+              <a:rPr lang="en-US" dirty="0"/>
+              <a:t>Representations in conceptual, logical and physical models/schema</a:t>
+            </a:r>
+          </a:p>
+          <a:p>
+            <a:pPr lvl="1"/>
+            <a:endParaRPr lang="en-US" dirty="0"/>
+          </a:p>
+          <a:p>
+            <a:endParaRPr lang="en-US" dirty="0"/>
+          </a:p>
+          <a:p>
+            <a:pPr lvl="1"/>
+            <a:endParaRPr lang="en-US" dirty="0"/>
+          </a:p>
+        </p:txBody>
+      </p:sp>
+    </p:spTree>
+    <p:extLst>
+      <p:ext uri="{BB962C8B-B14F-4D97-AF65-F5344CB8AC3E}">
+        <p14:creationId xmlns:p14="http://schemas.microsoft.com/office/powerpoint/2010/main" val="2772549670"/>
+      </p:ext>
+    </p:extLst>
+  </p:cSld>
+  <p:clrMapOvr>
+    <a:masterClrMapping/>
+  </p:clrMapOvr>
+</p:sld>
+</file>
+
+<file path=ppt/slides/slide20.xml><?xml version="1.0" encoding="utf-8"?>
 <p:sld xmlns:a="http://schemas.openxmlformats.org/drawingml/2006/main" xmlns:r="http://schemas.openxmlformats.org/officeDocument/2006/relationships" xmlns:p="http://schemas.openxmlformats.org/presentationml/2006/main">
   <p:cSld>
     <p:spTree>
@@ -5172,202 +6118,7 @@
 </p:sld>
 </file>
 
-<file path=ppt/slides/slide2.xml><?xml version="1.0" encoding="utf-8"?>
-<p:sld xmlns:a="http://schemas.openxmlformats.org/drawingml/2006/main" xmlns:r="http://schemas.openxmlformats.org/officeDocument/2006/relationships" xmlns:p="http://schemas.openxmlformats.org/presentationml/2006/main">
-  <p:cSld>
-    <p:spTree>
-      <p:nvGrpSpPr>
-        <p:cNvPr id="1" name=""/>
-        <p:cNvGrpSpPr/>
-        <p:nvPr/>
-      </p:nvGrpSpPr>
-      <p:grpSpPr>
-        <a:xfrm>
-          <a:off x="0" y="0"/>
-          <a:ext cx="0" cy="0"/>
-          <a:chOff x="0" y="0"/>
-          <a:chExt cx="0" cy="0"/>
-        </a:xfrm>
-      </p:grpSpPr>
-      <p:sp>
-        <p:nvSpPr>
-          <p:cNvPr id="2" name="Title 1">
-            <a:extLst>
-              <a:ext uri="{FF2B5EF4-FFF2-40B4-BE49-F238E27FC236}">
-                <a16:creationId xmlns:a16="http://schemas.microsoft.com/office/drawing/2014/main" id="{465E10C6-7C43-404C-8CE2-0A2B384117BB}"/>
-              </a:ext>
-            </a:extLst>
-          </p:cNvPr>
-          <p:cNvSpPr>
-            <a:spLocks noGrp="1"/>
-          </p:cNvSpPr>
-          <p:nvPr>
-            <p:ph type="title"/>
-          </p:nvPr>
-        </p:nvSpPr>
-        <p:spPr/>
-        <p:txBody>
-          <a:bodyPr/>
-          <a:lstStyle/>
-          <a:p>
-            <a:r>
-              <a:rPr lang="en-US" dirty="0"/>
-              <a:t>Scope</a:t>
-            </a:r>
-          </a:p>
-        </p:txBody>
-      </p:sp>
-      <p:sp>
-        <p:nvSpPr>
-          <p:cNvPr id="3" name="Content Placeholder 2">
-            <a:extLst>
-              <a:ext uri="{FF2B5EF4-FFF2-40B4-BE49-F238E27FC236}">
-                <a16:creationId xmlns:a16="http://schemas.microsoft.com/office/drawing/2014/main" id="{ECA0B61C-C0F0-445F-A12A-B0282221BB17}"/>
-              </a:ext>
-            </a:extLst>
-          </p:cNvPr>
-          <p:cNvSpPr>
-            <a:spLocks noGrp="1"/>
-          </p:cNvSpPr>
-          <p:nvPr>
-            <p:ph idx="1"/>
-          </p:nvPr>
-        </p:nvSpPr>
-        <p:spPr/>
-        <p:txBody>
-          <a:bodyPr>
-            <a:normAutofit fontScale="77500" lnSpcReduction="20000"/>
-          </a:bodyPr>
-          <a:lstStyle/>
-          <a:p>
-            <a:r>
-              <a:rPr lang="en-US" dirty="0"/>
-              <a:t>Values are distinguished from “identifiable entities”</a:t>
-            </a:r>
-          </a:p>
-          <a:p>
-            <a:r>
-              <a:rPr lang="en-US" dirty="0"/>
-              <a:t>Values</a:t>
-            </a:r>
-          </a:p>
-          <a:p>
-            <a:pPr lvl="1"/>
-            <a:r>
-              <a:rPr lang="en-US" dirty="0"/>
-              <a:t>Values have an identity identical with their value/content (represented in any way)</a:t>
-            </a:r>
-          </a:p>
-          <a:p>
-            <a:pPr lvl="1"/>
-            <a:r>
-              <a:rPr lang="en-US" dirty="0"/>
-              <a:t>Values are Immutable and non-temporal (the number 5 just “is”)</a:t>
-            </a:r>
-          </a:p>
-          <a:p>
-            <a:pPr lvl="1"/>
-            <a:r>
-              <a:rPr lang="en-US" dirty="0"/>
-              <a:t>Different representations of the same value represent the same value universally</a:t>
-            </a:r>
-          </a:p>
-          <a:p>
-            <a:r>
-              <a:rPr lang="en-US" dirty="0"/>
-              <a:t>Quantities – amounts of things measured in any way</a:t>
-            </a:r>
-          </a:p>
-          <a:p>
-            <a:pPr lvl="1"/>
-            <a:r>
-              <a:rPr lang="en-US" dirty="0"/>
-              <a:t>JCGM: property of a phenomenon, body, or substance, where the property has a magnitude that can be expressed as a number and a reference</a:t>
-            </a:r>
-          </a:p>
-          <a:p>
-            <a:pPr lvl="2"/>
-            <a:r>
-              <a:rPr lang="en-US" dirty="0"/>
-              <a:t>Example: 5kg of fish</a:t>
-            </a:r>
-          </a:p>
-          <a:p>
-            <a:pPr lvl="1"/>
-            <a:r>
-              <a:rPr lang="en-US" dirty="0"/>
-              <a:t>Consider also “counts of things” – e.g. 5 fish.</a:t>
-            </a:r>
-          </a:p>
-          <a:p>
-            <a:r>
-              <a:rPr lang="en-US" dirty="0"/>
-              <a:t>Units – accepted by convention as representing kinds of quantities</a:t>
-            </a:r>
-          </a:p>
-          <a:p>
-            <a:pPr lvl="1"/>
-            <a:r>
-              <a:rPr lang="en-US" dirty="0"/>
-              <a:t>JCGM: real scalar </a:t>
-            </a:r>
-            <a:r>
-              <a:rPr lang="en-US" b="1" dirty="0"/>
-              <a:t>quantity, </a:t>
-            </a:r>
-            <a:r>
-              <a:rPr lang="en-US" dirty="0"/>
-              <a:t>defined and adopted by convention, with which any other quantity of the same </a:t>
-            </a:r>
-            <a:r>
-              <a:rPr lang="en-US" b="1" dirty="0"/>
-              <a:t>kind </a:t>
-            </a:r>
-            <a:r>
-              <a:rPr lang="en-US" dirty="0"/>
-              <a:t>can be compared to express the ratio of the two quantities as a number</a:t>
-            </a:r>
-          </a:p>
-          <a:p>
-            <a:pPr lvl="1"/>
-            <a:r>
-              <a:rPr lang="en-US" dirty="0"/>
-              <a:t>Example: Kilogram</a:t>
-            </a:r>
-          </a:p>
-          <a:p>
-            <a:r>
-              <a:rPr lang="en-US" dirty="0"/>
-              <a:t>Representations in conceptual, logical and physical models/schema</a:t>
-            </a:r>
-          </a:p>
-          <a:p>
-            <a:pPr lvl="1"/>
-            <a:endParaRPr lang="en-US" dirty="0"/>
-          </a:p>
-          <a:p>
-            <a:endParaRPr lang="en-US" dirty="0"/>
-          </a:p>
-          <a:p>
-            <a:pPr lvl="1"/>
-            <a:endParaRPr lang="en-US" dirty="0"/>
-          </a:p>
-        </p:txBody>
-      </p:sp>
-    </p:spTree>
-    <p:extLst>
-      <p:ext uri="{BB962C8B-B14F-4D97-AF65-F5344CB8AC3E}">
-        <p14:creationId xmlns:p14="http://schemas.microsoft.com/office/powerpoint/2010/main" val="2772549670"/>
-      </p:ext>
-    </p:extLst>
-  </p:cSld>
-  <p:clrMapOvr>
-    <a:masterClrMapping/>
-  </p:clrMapOvr>
-</p:sld>
-</file>
-
-<file path=ppt/slides/slide20.xml><?xml version="1.0" encoding="utf-8"?>
+<file path=ppt/slides/slide21.xml><?xml version="1.0" encoding="utf-8"?>
 <p:sld xmlns:a="http://schemas.openxmlformats.org/drawingml/2006/main" xmlns:r="http://schemas.openxmlformats.org/officeDocument/2006/relationships" xmlns:p="http://schemas.openxmlformats.org/presentationml/2006/main">
   <p:cSld>
     <p:spTree>
@@ -5462,7 +6213,7 @@
 </p:sld>
 </file>
 
-<file path=ppt/slides/slide21.xml><?xml version="1.0" encoding="utf-8"?>
+<file path=ppt/slides/slide22.xml><?xml version="1.0" encoding="utf-8"?>
 <p:sld xmlns:a="http://schemas.openxmlformats.org/drawingml/2006/main" xmlns:r="http://schemas.openxmlformats.org/officeDocument/2006/relationships" xmlns:p="http://schemas.openxmlformats.org/presentationml/2006/main">
   <p:cSld>
     <p:spTree>
@@ -6301,6 +7052,257 @@
       </p:grpSpPr>
       <p:sp>
         <p:nvSpPr>
+          <p:cNvPr id="2" name="Content Placeholder 1"/>
+          <p:cNvSpPr>
+            <a:spLocks noGrp="1"/>
+          </p:cNvSpPr>
+          <p:nvPr>
+            <p:ph sz="quarter" idx="13"/>
+          </p:nvPr>
+        </p:nvSpPr>
+        <p:spPr>
+          <a:xfrm>
+            <a:off x="1876426" y="1463040"/>
+            <a:ext cx="5057774" cy="4099560"/>
+          </a:xfrm>
+        </p:spPr>
+        <p:txBody>
+          <a:bodyPr>
+            <a:normAutofit/>
+          </a:bodyPr>
+          <a:lstStyle/>
+          <a:p>
+            <a:r>
+              <a:rPr lang="en-US" sz="1800" dirty="0"/>
+              <a:t>For numeric characteristics, we want to know what it means (e.g. Temperature), not the kind of number (Real).</a:t>
+            </a:r>
+          </a:p>
+          <a:p>
+            <a:r>
+              <a:rPr lang="en-US" sz="1800" dirty="0"/>
+              <a:t>&lt;&lt;Quantity Kind&gt;&gt; is an aspect common to mutually comparable quantities represented by one or more units. </a:t>
+            </a:r>
+          </a:p>
+          <a:p>
+            <a:r>
+              <a:rPr lang="en-US" sz="1800" dirty="0"/>
+              <a:t>A “unit value” represents a quantity kind, there are multiple units representing temperature.</a:t>
+            </a:r>
+          </a:p>
+          <a:p>
+            <a:r>
+              <a:rPr lang="en-US" sz="1800" dirty="0"/>
+              <a:t>A physical representation would then represent the unit as some kind of number in a specified unit.</a:t>
+            </a:r>
+          </a:p>
+        </p:txBody>
+      </p:sp>
+      <p:sp>
+        <p:nvSpPr>
+          <p:cNvPr id="3" name="Date Placeholder 2"/>
+          <p:cNvSpPr>
+            <a:spLocks noGrp="1"/>
+          </p:cNvSpPr>
+          <p:nvPr>
+            <p:ph type="dt" sz="half" idx="14"/>
+          </p:nvPr>
+        </p:nvSpPr>
+        <p:spPr/>
+        <p:txBody>
+          <a:bodyPr/>
+          <a:lstStyle/>
+          <a:p>
+            <a:fld id="{1F9A5793-53E3-4EFA-8FEB-3135A2F5C16E}" type="datetime1">
+              <a:rPr lang="en-US" smtClean="0"/>
+              <a:t>5/20/2018</a:t>
+            </a:fld>
+            <a:endParaRPr lang="en-US" dirty="0"/>
+          </a:p>
+        </p:txBody>
+      </p:sp>
+      <p:sp>
+        <p:nvSpPr>
+          <p:cNvPr id="4" name="Slide Number Placeholder 3"/>
+          <p:cNvSpPr>
+            <a:spLocks noGrp="1"/>
+          </p:cNvSpPr>
+          <p:nvPr>
+            <p:ph type="sldNum" sz="quarter" idx="15"/>
+          </p:nvPr>
+        </p:nvSpPr>
+        <p:spPr/>
+        <p:txBody>
+          <a:bodyPr/>
+          <a:lstStyle/>
+          <a:p>
+            <a:fld id="{C5349D12-3EF0-44B0-8484-0F10BE0E01DA}" type="slidenum">
+              <a:rPr lang="en-US" smtClean="0"/>
+              <a:t>7</a:t>
+            </a:fld>
+            <a:endParaRPr lang="en-US"/>
+          </a:p>
+        </p:txBody>
+      </p:sp>
+      <p:sp>
+        <p:nvSpPr>
+          <p:cNvPr id="5" name="Footer Placeholder 4"/>
+          <p:cNvSpPr>
+            <a:spLocks noGrp="1"/>
+          </p:cNvSpPr>
+          <p:nvPr>
+            <p:ph type="ftr" sz="quarter" idx="16"/>
+          </p:nvPr>
+        </p:nvSpPr>
+        <p:spPr/>
+        <p:txBody>
+          <a:bodyPr/>
+          <a:lstStyle/>
+          <a:p>
+            <a:r>
+              <a:rPr lang="en-US"/>
+              <a:t>Threat &amp; Risk</a:t>
+            </a:r>
+          </a:p>
+        </p:txBody>
+      </p:sp>
+      <p:sp>
+        <p:nvSpPr>
+          <p:cNvPr id="6" name="Title 5"/>
+          <p:cNvSpPr>
+            <a:spLocks noGrp="1"/>
+          </p:cNvSpPr>
+          <p:nvPr>
+            <p:ph type="title"/>
+          </p:nvPr>
+        </p:nvSpPr>
+        <p:spPr/>
+        <p:txBody>
+          <a:bodyPr/>
+          <a:lstStyle/>
+          <a:p>
+            <a:r>
+              <a:rPr lang="en-US" dirty="0"/>
+              <a:t>Quantity Kinds &amp; Units in SMIF Profile</a:t>
+            </a:r>
+          </a:p>
+        </p:txBody>
+      </p:sp>
+      <p:pic>
+        <p:nvPicPr>
+          <p:cNvPr id="13318" name="Picture 6"/>
+          <p:cNvPicPr>
+            <a:picLocks noChangeAspect="1" noChangeArrowheads="1"/>
+          </p:cNvPicPr>
+          <p:nvPr/>
+        </p:nvPicPr>
+        <p:blipFill>
+          <a:blip r:embed="rId3">
+            <a:extLst>
+              <a:ext uri="{28A0092B-C50C-407E-A947-70E740481C1C}">
+                <a14:useLocalDpi xmlns:a14="http://schemas.microsoft.com/office/drawing/2010/main" val="0"/>
+              </a:ext>
+            </a:extLst>
+          </a:blip>
+          <a:srcRect/>
+          <a:stretch>
+            <a:fillRect/>
+          </a:stretch>
+        </p:blipFill>
+        <p:spPr bwMode="auto">
+          <a:xfrm>
+            <a:off x="3505200" y="5334000"/>
+            <a:ext cx="5803900" cy="901700"/>
+          </a:xfrm>
+          <a:prstGeom prst="rect">
+            <a:avLst/>
+          </a:prstGeom>
+          <a:noFill/>
+          <a:ln>
+            <a:noFill/>
+          </a:ln>
+          <a:extLst>
+            <a:ext uri="{909E8E84-426E-40DD-AFC4-6F175D3DCCD1}">
+              <a14:hiddenFill xmlns:a14="http://schemas.microsoft.com/office/drawing/2010/main">
+                <a:solidFill>
+                  <a:schemeClr val="accent1"/>
+                </a:solidFill>
+              </a14:hiddenFill>
+            </a:ext>
+            <a:ext uri="{91240B29-F687-4F45-9708-019B960494DF}">
+              <a14:hiddenLine xmlns:a14="http://schemas.microsoft.com/office/drawing/2010/main" w="9525">
+                <a:solidFill>
+                  <a:schemeClr val="tx1"/>
+                </a:solidFill>
+                <a:miter lim="800000"/>
+                <a:headEnd/>
+                <a:tailEnd/>
+              </a14:hiddenLine>
+            </a:ext>
+          </a:extLst>
+        </p:spPr>
+      </p:pic>
+      <p:pic>
+        <p:nvPicPr>
+          <p:cNvPr id="7" name="Picture 6">
+            <a:extLst>
+              <a:ext uri="{FF2B5EF4-FFF2-40B4-BE49-F238E27FC236}">
+                <a16:creationId xmlns:a16="http://schemas.microsoft.com/office/drawing/2014/main" id="{B193A553-1458-4B7C-83A5-50C08D0AB8B7}"/>
+              </a:ext>
+            </a:extLst>
+          </p:cNvPr>
+          <p:cNvPicPr>
+            <a:picLocks noChangeAspect="1"/>
+          </p:cNvPicPr>
+          <p:nvPr/>
+        </p:nvPicPr>
+        <p:blipFill>
+          <a:blip r:embed="rId4"/>
+          <a:stretch>
+            <a:fillRect/>
+          </a:stretch>
+        </p:blipFill>
+        <p:spPr>
+          <a:xfrm>
+            <a:off x="7239000" y="2176795"/>
+            <a:ext cx="2844444" cy="1777778"/>
+          </a:xfrm>
+          <a:prstGeom prst="rect">
+            <a:avLst/>
+          </a:prstGeom>
+        </p:spPr>
+      </p:pic>
+    </p:spTree>
+    <p:extLst>
+      <p:ext uri="{BB962C8B-B14F-4D97-AF65-F5344CB8AC3E}">
+        <p14:creationId xmlns:p14="http://schemas.microsoft.com/office/powerpoint/2010/main" val="1726237830"/>
+      </p:ext>
+    </p:extLst>
+  </p:cSld>
+  <p:clrMapOvr>
+    <a:masterClrMapping/>
+  </p:clrMapOvr>
+</p:sld>
+</file>
+
+<file path=ppt/slides/slide8.xml><?xml version="1.0" encoding="utf-8"?>
+<p:sld xmlns:a="http://schemas.openxmlformats.org/drawingml/2006/main" xmlns:r="http://schemas.openxmlformats.org/officeDocument/2006/relationships" xmlns:p="http://schemas.openxmlformats.org/presentationml/2006/main">
+  <p:cSld>
+    <p:spTree>
+      <p:nvGrpSpPr>
+        <p:cNvPr id="1" name=""/>
+        <p:cNvGrpSpPr/>
+        <p:nvPr/>
+      </p:nvGrpSpPr>
+      <p:grpSpPr>
+        <a:xfrm>
+          <a:off x="0" y="0"/>
+          <a:ext cx="0" cy="0"/>
+          <a:chOff x="0" y="0"/>
+          <a:chExt cx="0" cy="0"/>
+        </a:xfrm>
+      </p:grpSpPr>
+      <p:sp>
+        <p:nvSpPr>
           <p:cNvPr id="4" name="Title 3">
             <a:extLst>
               <a:ext uri="{FF2B5EF4-FFF2-40B4-BE49-F238E27FC236}">
@@ -6486,7 +7488,7 @@
 </p:sld>
 </file>
 
-<file path=ppt/slides/slide8.xml><?xml version="1.0" encoding="utf-8"?>
+<file path=ppt/slides/slide9.xml><?xml version="1.0" encoding="utf-8"?>
 <p:sld xmlns:a="http://schemas.openxmlformats.org/drawingml/2006/main" xmlns:r="http://schemas.openxmlformats.org/officeDocument/2006/relationships" xmlns:p="http://schemas.openxmlformats.org/presentationml/2006/main">
   <p:cSld>
     <p:spTree>
@@ -6565,101 +7567,6 @@
     <p:extLst>
       <p:ext uri="{BB962C8B-B14F-4D97-AF65-F5344CB8AC3E}">
         <p14:creationId xmlns:p14="http://schemas.microsoft.com/office/powerpoint/2010/main" val="1081594104"/>
-      </p:ext>
-    </p:extLst>
-  </p:cSld>
-  <p:clrMapOvr>
-    <a:masterClrMapping/>
-  </p:clrMapOvr>
-</p:sld>
-</file>
-
-<file path=ppt/slides/slide9.xml><?xml version="1.0" encoding="utf-8"?>
-<p:sld xmlns:a="http://schemas.openxmlformats.org/drawingml/2006/main" xmlns:r="http://schemas.openxmlformats.org/officeDocument/2006/relationships" xmlns:p="http://schemas.openxmlformats.org/presentationml/2006/main">
-  <p:cSld>
-    <p:spTree>
-      <p:nvGrpSpPr>
-        <p:cNvPr id="1" name=""/>
-        <p:cNvGrpSpPr/>
-        <p:nvPr/>
-      </p:nvGrpSpPr>
-      <p:grpSpPr>
-        <a:xfrm>
-          <a:off x="0" y="0"/>
-          <a:ext cx="0" cy="0"/>
-          <a:chOff x="0" y="0"/>
-          <a:chExt cx="0" cy="0"/>
-        </a:xfrm>
-      </p:grpSpPr>
-      <p:pic>
-        <p:nvPicPr>
-          <p:cNvPr id="3" name="Picture 2">
-            <a:extLst>
-              <a:ext uri="{FF2B5EF4-FFF2-40B4-BE49-F238E27FC236}">
-                <a16:creationId xmlns:a16="http://schemas.microsoft.com/office/drawing/2014/main" id="{48702504-59B6-466F-BDD1-35F25C5E521D}"/>
-              </a:ext>
-            </a:extLst>
-          </p:cNvPr>
-          <p:cNvPicPr>
-            <a:picLocks noChangeAspect="1"/>
-          </p:cNvPicPr>
-          <p:nvPr/>
-        </p:nvPicPr>
-        <p:blipFill>
-          <a:blip r:embed="rId2"/>
-          <a:stretch>
-            <a:fillRect/>
-          </a:stretch>
-        </p:blipFill>
-        <p:spPr>
-          <a:xfrm>
-            <a:off x="1008906" y="0"/>
-            <a:ext cx="11422076" cy="6858000"/>
-          </a:xfrm>
-          <a:prstGeom prst="rect">
-            <a:avLst/>
-          </a:prstGeom>
-        </p:spPr>
-      </p:pic>
-      <p:sp>
-        <p:nvSpPr>
-          <p:cNvPr id="4" name="TextBox 3">
-            <a:extLst>
-              <a:ext uri="{FF2B5EF4-FFF2-40B4-BE49-F238E27FC236}">
-                <a16:creationId xmlns:a16="http://schemas.microsoft.com/office/drawing/2014/main" id="{7D34D3E7-84A2-4EF9-808F-431BF4284C84}"/>
-              </a:ext>
-            </a:extLst>
-          </p:cNvPr>
-          <p:cNvSpPr txBox="1"/>
-          <p:nvPr/>
-        </p:nvSpPr>
-        <p:spPr>
-          <a:xfrm rot="16200000">
-            <a:off x="-400988" y="3198167"/>
-            <a:ext cx="1539717" cy="461665"/>
-          </a:xfrm>
-          <a:prstGeom prst="rect">
-            <a:avLst/>
-          </a:prstGeom>
-          <a:noFill/>
-        </p:spPr>
-        <p:txBody>
-          <a:bodyPr wrap="none" rtlCol="0">
-            <a:spAutoFit/>
-          </a:bodyPr>
-          <a:lstStyle/>
-          <a:p>
-            <a:r>
-              <a:rPr lang="en-US" sz="2400" dirty="0"/>
-              <a:t>Definitions</a:t>
-            </a:r>
-          </a:p>
-        </p:txBody>
-      </p:sp>
-    </p:spTree>
-    <p:extLst>
-      <p:ext uri="{BB962C8B-B14F-4D97-AF65-F5344CB8AC3E}">
-        <p14:creationId xmlns:p14="http://schemas.microsoft.com/office/powerpoint/2010/main" val="3232177047"/>
       </p:ext>
     </p:extLst>
   </p:cSld>
@@ -6962,4 +7869,299 @@
     </a:ext>
   </a:extLst>
 </a:theme>
+</file>
+
+<file path=ppt/theme/theme2.xml><?xml version="1.0" encoding="utf-8"?>
+<a:theme xmlns:a="http://schemas.openxmlformats.org/drawingml/2006/main" name="Office Theme">
+  <a:themeElements>
+    <a:clrScheme name="Office">
+      <a:dk1>
+        <a:sysClr val="windowText" lastClr="000000"/>
+      </a:dk1>
+      <a:lt1>
+        <a:sysClr val="window" lastClr="FFFFFF"/>
+      </a:lt1>
+      <a:dk2>
+        <a:srgbClr val="44546A"/>
+      </a:dk2>
+      <a:lt2>
+        <a:srgbClr val="E7E6E6"/>
+      </a:lt2>
+      <a:accent1>
+        <a:srgbClr val="4472C4"/>
+      </a:accent1>
+      <a:accent2>
+        <a:srgbClr val="ED7D31"/>
+      </a:accent2>
+      <a:accent3>
+        <a:srgbClr val="A5A5A5"/>
+      </a:accent3>
+      <a:accent4>
+        <a:srgbClr val="FFC000"/>
+      </a:accent4>
+      <a:accent5>
+        <a:srgbClr val="5B9BD5"/>
+      </a:accent5>
+      <a:accent6>
+        <a:srgbClr val="70AD47"/>
+      </a:accent6>
+      <a:hlink>
+        <a:srgbClr val="0563C1"/>
+      </a:hlink>
+      <a:folHlink>
+        <a:srgbClr val="954F72"/>
+      </a:folHlink>
+    </a:clrScheme>
+    <a:fontScheme name="Office">
+      <a:majorFont>
+        <a:latin typeface="Calibri Light" panose="020F0302020204030204"/>
+        <a:ea typeface=""/>
+        <a:cs typeface=""/>
+        <a:font script="Jpan" typeface="游ゴシック Light"/>
+        <a:font script="Hang" typeface="맑은 고딕"/>
+        <a:font script="Hans" typeface="等线 Light"/>
+        <a:font script="Hant" typeface="新細明體"/>
+        <a:font script="Arab" typeface="Times New Roman"/>
+        <a:font script="Hebr" typeface="Times New Roman"/>
+        <a:font script="Thai" typeface="Angsana New"/>
+        <a:font script="Ethi" typeface="Nyala"/>
+        <a:font script="Beng" typeface="Vrinda"/>
+        <a:font script="Gujr" typeface="Shruti"/>
+        <a:font script="Khmr" typeface="MoolBoran"/>
+        <a:font script="Knda" typeface="Tunga"/>
+        <a:font script="Guru" typeface="Raavi"/>
+        <a:font script="Cans" typeface="Euphemia"/>
+        <a:font script="Cher" typeface="Plantagenet Cherokee"/>
+        <a:font script="Yiii" typeface="Microsoft Yi Baiti"/>
+        <a:font script="Tibt" typeface="Microsoft Himalaya"/>
+        <a:font script="Thaa" typeface="MV Boli"/>
+        <a:font script="Deva" typeface="Mangal"/>
+        <a:font script="Telu" typeface="Gautami"/>
+        <a:font script="Taml" typeface="Latha"/>
+        <a:font script="Syrc" typeface="Estrangelo Edessa"/>
+        <a:font script="Orya" typeface="Kalinga"/>
+        <a:font script="Mlym" typeface="Kartika"/>
+        <a:font script="Laoo" typeface="DokChampa"/>
+        <a:font script="Sinh" typeface="Iskoola Pota"/>
+        <a:font script="Mong" typeface="Mongolian Baiti"/>
+        <a:font script="Viet" typeface="Times New Roman"/>
+        <a:font script="Uigh" typeface="Microsoft Uighur"/>
+        <a:font script="Geor" typeface="Sylfaen"/>
+        <a:font script="Armn" typeface="Arial"/>
+        <a:font script="Bugi" typeface="Leelawadee UI"/>
+        <a:font script="Bopo" typeface="Microsoft JhengHei"/>
+        <a:font script="Java" typeface="Javanese Text"/>
+        <a:font script="Lisu" typeface="Segoe UI"/>
+        <a:font script="Mymr" typeface="Myanmar Text"/>
+        <a:font script="Nkoo" typeface="Ebrima"/>
+        <a:font script="Olck" typeface="Nirmala UI"/>
+        <a:font script="Osma" typeface="Ebrima"/>
+        <a:font script="Phag" typeface="Phagspa"/>
+        <a:font script="Syrn" typeface="Estrangelo Edessa"/>
+        <a:font script="Syrj" typeface="Estrangelo Edessa"/>
+        <a:font script="Syre" typeface="Estrangelo Edessa"/>
+        <a:font script="Sora" typeface="Nirmala UI"/>
+        <a:font script="Tale" typeface="Microsoft Tai Le"/>
+        <a:font script="Talu" typeface="Microsoft New Tai Lue"/>
+        <a:font script="Tfng" typeface="Ebrima"/>
+      </a:majorFont>
+      <a:minorFont>
+        <a:latin typeface="Calibri" panose="020F0502020204030204"/>
+        <a:ea typeface=""/>
+        <a:cs typeface=""/>
+        <a:font script="Jpan" typeface="游ゴシック"/>
+        <a:font script="Hang" typeface="맑은 고딕"/>
+        <a:font script="Hans" typeface="等线"/>
+        <a:font script="Hant" typeface="新細明體"/>
+        <a:font script="Arab" typeface="Arial"/>
+        <a:font script="Hebr" typeface="Arial"/>
+        <a:font script="Thai" typeface="Cordia New"/>
+        <a:font script="Ethi" typeface="Nyala"/>
+        <a:font script="Beng" typeface="Vrinda"/>
+        <a:font script="Gujr" typeface="Shruti"/>
+        <a:font script="Khmr" typeface="DaunPenh"/>
+        <a:font script="Knda" typeface="Tunga"/>
+        <a:font script="Guru" typeface="Raavi"/>
+        <a:font script="Cans" typeface="Euphemia"/>
+        <a:font script="Cher" typeface="Plantagenet Cherokee"/>
+        <a:font script="Yiii" typeface="Microsoft Yi Baiti"/>
+        <a:font script="Tibt" typeface="Microsoft Himalaya"/>
+        <a:font script="Thaa" typeface="MV Boli"/>
+        <a:font script="Deva" typeface="Mangal"/>
+        <a:font script="Telu" typeface="Gautami"/>
+        <a:font script="Taml" typeface="Latha"/>
+        <a:font script="Syrc" typeface="Estrangelo Edessa"/>
+        <a:font script="Orya" typeface="Kalinga"/>
+        <a:font script="Mlym" typeface="Kartika"/>
+        <a:font script="Laoo" typeface="DokChampa"/>
+        <a:font script="Sinh" typeface="Iskoola Pota"/>
+        <a:font script="Mong" typeface="Mongolian Baiti"/>
+        <a:font script="Viet" typeface="Arial"/>
+        <a:font script="Uigh" typeface="Microsoft Uighur"/>
+        <a:font script="Geor" typeface="Sylfaen"/>
+        <a:font script="Armn" typeface="Arial"/>
+        <a:font script="Bugi" typeface="Leelawadee UI"/>
+        <a:font script="Bopo" typeface="Microsoft JhengHei"/>
+        <a:font script="Java" typeface="Javanese Text"/>
+        <a:font script="Lisu" typeface="Segoe UI"/>
+        <a:font script="Mymr" typeface="Myanmar Text"/>
+        <a:font script="Nkoo" typeface="Ebrima"/>
+        <a:font script="Olck" typeface="Nirmala UI"/>
+        <a:font script="Osma" typeface="Ebrima"/>
+        <a:font script="Phag" typeface="Phagspa"/>
+        <a:font script="Syrn" typeface="Estrangelo Edessa"/>
+        <a:font script="Syrj" typeface="Estrangelo Edessa"/>
+        <a:font script="Syre" typeface="Estrangelo Edessa"/>
+        <a:font script="Sora" typeface="Nirmala UI"/>
+        <a:font script="Tale" typeface="Microsoft Tai Le"/>
+        <a:font script="Talu" typeface="Microsoft New Tai Lue"/>
+        <a:font script="Tfng" typeface="Ebrima"/>
+      </a:minorFont>
+    </a:fontScheme>
+    <a:fmtScheme name="Office">
+      <a:fillStyleLst>
+        <a:solidFill>
+          <a:schemeClr val="phClr"/>
+        </a:solidFill>
+        <a:gradFill rotWithShape="1">
+          <a:gsLst>
+            <a:gs pos="0">
+              <a:schemeClr val="phClr">
+                <a:lumMod val="110000"/>
+                <a:satMod val="105000"/>
+                <a:tint val="67000"/>
+              </a:schemeClr>
+            </a:gs>
+            <a:gs pos="50000">
+              <a:schemeClr val="phClr">
+                <a:lumMod val="105000"/>
+                <a:satMod val="103000"/>
+                <a:tint val="73000"/>
+              </a:schemeClr>
+            </a:gs>
+            <a:gs pos="100000">
+              <a:schemeClr val="phClr">
+                <a:lumMod val="105000"/>
+                <a:satMod val="109000"/>
+                <a:tint val="81000"/>
+              </a:schemeClr>
+            </a:gs>
+          </a:gsLst>
+          <a:lin ang="5400000" scaled="0"/>
+        </a:gradFill>
+        <a:gradFill rotWithShape="1">
+          <a:gsLst>
+            <a:gs pos="0">
+              <a:schemeClr val="phClr">
+                <a:satMod val="103000"/>
+                <a:lumMod val="102000"/>
+                <a:tint val="94000"/>
+              </a:schemeClr>
+            </a:gs>
+            <a:gs pos="50000">
+              <a:schemeClr val="phClr">
+                <a:satMod val="110000"/>
+                <a:lumMod val="100000"/>
+                <a:shade val="100000"/>
+              </a:schemeClr>
+            </a:gs>
+            <a:gs pos="100000">
+              <a:schemeClr val="phClr">
+                <a:lumMod val="99000"/>
+                <a:satMod val="120000"/>
+                <a:shade val="78000"/>
+              </a:schemeClr>
+            </a:gs>
+          </a:gsLst>
+          <a:lin ang="5400000" scaled="0"/>
+        </a:gradFill>
+      </a:fillStyleLst>
+      <a:lnStyleLst>
+        <a:ln w="6350" cap="flat" cmpd="sng" algn="ctr">
+          <a:solidFill>
+            <a:schemeClr val="phClr"/>
+          </a:solidFill>
+          <a:prstDash val="solid"/>
+          <a:miter lim="800000"/>
+        </a:ln>
+        <a:ln w="12700" cap="flat" cmpd="sng" algn="ctr">
+          <a:solidFill>
+            <a:schemeClr val="phClr"/>
+          </a:solidFill>
+          <a:prstDash val="solid"/>
+          <a:miter lim="800000"/>
+        </a:ln>
+        <a:ln w="19050" cap="flat" cmpd="sng" algn="ctr">
+          <a:solidFill>
+            <a:schemeClr val="phClr"/>
+          </a:solidFill>
+          <a:prstDash val="solid"/>
+          <a:miter lim="800000"/>
+        </a:ln>
+      </a:lnStyleLst>
+      <a:effectStyleLst>
+        <a:effectStyle>
+          <a:effectLst/>
+        </a:effectStyle>
+        <a:effectStyle>
+          <a:effectLst/>
+        </a:effectStyle>
+        <a:effectStyle>
+          <a:effectLst>
+            <a:outerShdw blurRad="57150" dist="19050" dir="5400000" algn="ctr" rotWithShape="0">
+              <a:srgbClr val="000000">
+                <a:alpha val="63000"/>
+              </a:srgbClr>
+            </a:outerShdw>
+          </a:effectLst>
+        </a:effectStyle>
+      </a:effectStyleLst>
+      <a:bgFillStyleLst>
+        <a:solidFill>
+          <a:schemeClr val="phClr"/>
+        </a:solidFill>
+        <a:solidFill>
+          <a:schemeClr val="phClr">
+            <a:tint val="95000"/>
+            <a:satMod val="170000"/>
+          </a:schemeClr>
+        </a:solidFill>
+        <a:gradFill rotWithShape="1">
+          <a:gsLst>
+            <a:gs pos="0">
+              <a:schemeClr val="phClr">
+                <a:tint val="93000"/>
+                <a:satMod val="150000"/>
+                <a:shade val="98000"/>
+                <a:lumMod val="102000"/>
+              </a:schemeClr>
+            </a:gs>
+            <a:gs pos="50000">
+              <a:schemeClr val="phClr">
+                <a:tint val="98000"/>
+                <a:satMod val="130000"/>
+                <a:shade val="90000"/>
+                <a:lumMod val="103000"/>
+              </a:schemeClr>
+            </a:gs>
+            <a:gs pos="100000">
+              <a:schemeClr val="phClr">
+                <a:shade val="63000"/>
+                <a:satMod val="120000"/>
+              </a:schemeClr>
+            </a:gs>
+          </a:gsLst>
+          <a:lin ang="5400000" scaled="0"/>
+        </a:gradFill>
+      </a:bgFillStyleLst>
+    </a:fmtScheme>
+  </a:themeElements>
+  <a:objectDefaults/>
+  <a:extraClrSchemeLst/>
+  <a:extLst>
+    <a:ext uri="{05A4C25C-085E-4340-85A3-A5531E510DB2}">
+      <thm15:themeFamily xmlns:thm15="http://schemas.microsoft.com/office/thememl/2012/main" name="Office Theme" id="{62F939B6-93AF-4DB8-9C6B-D6C7DFDC589F}" vid="{4A3C46E8-61CC-4603-A589-7422A47A8E4A}"/>
+    </a:ext>
+  </a:extLst>
+</a:theme>
 </file>
--- a/Presentations/Values, Quantities & Units.pptx
+++ b/Presentations/Values, Quantities & Units.pptx
@@ -218,7 +218,7 @@
           <a:p>
             <a:fld id="{A2488B8E-7323-4FF1-A5B0-F20D7E9A9FEB}" type="datetimeFigureOut">
               <a:rPr lang="en-US" smtClean="0"/>
-              <a:t>5/20/2018</a:t>
+              <a:t>6/21/2018</a:t>
             </a:fld>
             <a:endParaRPr lang="en-US"/>
           </a:p>
@@ -716,7 +716,7 @@
           <a:p>
             <a:fld id="{867FABA3-ED0B-4261-91FE-267A5EF94074}" type="datetimeFigureOut">
               <a:rPr lang="en-US" smtClean="0"/>
-              <a:t>5/20/2018</a:t>
+              <a:t>6/21/2018</a:t>
             </a:fld>
             <a:endParaRPr lang="en-US" dirty="0"/>
           </a:p>
@@ -914,7 +914,7 @@
           <a:p>
             <a:fld id="{867FABA3-ED0B-4261-91FE-267A5EF94074}" type="datetimeFigureOut">
               <a:rPr lang="en-US" smtClean="0"/>
-              <a:t>5/20/2018</a:t>
+              <a:t>6/21/2018</a:t>
             </a:fld>
             <a:endParaRPr lang="en-US" dirty="0"/>
           </a:p>
@@ -1122,7 +1122,7 @@
           <a:p>
             <a:fld id="{867FABA3-ED0B-4261-91FE-267A5EF94074}" type="datetimeFigureOut">
               <a:rPr lang="en-US" smtClean="0"/>
-              <a:t>5/20/2018</a:t>
+              <a:t>6/21/2018</a:t>
             </a:fld>
             <a:endParaRPr lang="en-US" dirty="0"/>
           </a:p>
@@ -1542,7 +1542,7 @@
           <a:p>
             <a:fld id="{867FABA3-ED0B-4261-91FE-267A5EF94074}" type="datetimeFigureOut">
               <a:rPr lang="en-US" smtClean="0"/>
-              <a:t>5/20/2018</a:t>
+              <a:t>6/21/2018</a:t>
             </a:fld>
             <a:endParaRPr lang="en-US" dirty="0"/>
           </a:p>
@@ -1817,7 +1817,7 @@
           <a:p>
             <a:fld id="{867FABA3-ED0B-4261-91FE-267A5EF94074}" type="datetimeFigureOut">
               <a:rPr lang="en-US" smtClean="0"/>
-              <a:t>5/20/2018</a:t>
+              <a:t>6/21/2018</a:t>
             </a:fld>
             <a:endParaRPr lang="en-US" dirty="0"/>
           </a:p>
@@ -2082,7 +2082,7 @@
           <a:p>
             <a:fld id="{867FABA3-ED0B-4261-91FE-267A5EF94074}" type="datetimeFigureOut">
               <a:rPr lang="en-US" smtClean="0"/>
-              <a:t>5/20/2018</a:t>
+              <a:t>6/21/2018</a:t>
             </a:fld>
             <a:endParaRPr lang="en-US" dirty="0"/>
           </a:p>
@@ -2494,7 +2494,7 @@
           <a:p>
             <a:fld id="{867FABA3-ED0B-4261-91FE-267A5EF94074}" type="datetimeFigureOut">
               <a:rPr lang="en-US" smtClean="0"/>
-              <a:t>5/20/2018</a:t>
+              <a:t>6/21/2018</a:t>
             </a:fld>
             <a:endParaRPr lang="en-US" dirty="0"/>
           </a:p>
@@ -2635,7 +2635,7 @@
           <a:p>
             <a:fld id="{867FABA3-ED0B-4261-91FE-267A5EF94074}" type="datetimeFigureOut">
               <a:rPr lang="en-US" smtClean="0"/>
-              <a:t>5/20/2018</a:t>
+              <a:t>6/21/2018</a:t>
             </a:fld>
             <a:endParaRPr lang="en-US" dirty="0"/>
           </a:p>
@@ -2748,7 +2748,7 @@
           <a:p>
             <a:fld id="{867FABA3-ED0B-4261-91FE-267A5EF94074}" type="datetimeFigureOut">
               <a:rPr lang="en-US" smtClean="0"/>
-              <a:t>5/20/2018</a:t>
+              <a:t>6/21/2018</a:t>
             </a:fld>
             <a:endParaRPr lang="en-US" dirty="0"/>
           </a:p>
@@ -3059,7 +3059,7 @@
           <a:p>
             <a:fld id="{867FABA3-ED0B-4261-91FE-267A5EF94074}" type="datetimeFigureOut">
               <a:rPr lang="en-US" smtClean="0"/>
-              <a:t>5/20/2018</a:t>
+              <a:t>6/21/2018</a:t>
             </a:fld>
             <a:endParaRPr lang="en-US" dirty="0"/>
           </a:p>
@@ -3347,7 +3347,7 @@
           <a:p>
             <a:fld id="{867FABA3-ED0B-4261-91FE-267A5EF94074}" type="datetimeFigureOut">
               <a:rPr lang="en-US" smtClean="0"/>
-              <a:t>5/20/2018</a:t>
+              <a:t>6/21/2018</a:t>
             </a:fld>
             <a:endParaRPr lang="en-US" dirty="0"/>
           </a:p>
@@ -3588,7 +3588,7 @@
           <a:p>
             <a:fld id="{867FABA3-ED0B-4261-91FE-267A5EF94074}" type="datetimeFigureOut">
               <a:rPr lang="en-US" smtClean="0"/>
-              <a:t>5/20/2018</a:t>
+              <a:t>6/21/2018</a:t>
             </a:fld>
             <a:endParaRPr lang="en-US" dirty="0"/>
           </a:p>
@@ -5124,40 +5124,12 @@
           <a:chExt cx="0" cy="0"/>
         </a:xfrm>
       </p:grpSpPr>
-      <p:sp>
-        <p:nvSpPr>
-          <p:cNvPr id="2" name="Title 1">
-            <a:extLst>
-              <a:ext uri="{FF2B5EF4-FFF2-40B4-BE49-F238E27FC236}">
-                <a16:creationId xmlns:a16="http://schemas.microsoft.com/office/drawing/2014/main" id="{B6709E6C-DB4A-4EF4-996D-FCA2C2EFFAE4}"/>
-              </a:ext>
-            </a:extLst>
-          </p:cNvPr>
-          <p:cNvSpPr>
-            <a:spLocks noGrp="1"/>
-          </p:cNvSpPr>
-          <p:nvPr>
-            <p:ph type="title"/>
-          </p:nvPr>
-        </p:nvSpPr>
-        <p:spPr/>
-        <p:txBody>
-          <a:bodyPr/>
-          <a:lstStyle/>
-          <a:p>
-            <a:r>
-              <a:rPr lang="en-US" dirty="0"/>
-              <a:t>Modeling Quantity Kinds &amp; Units</a:t>
-            </a:r>
-          </a:p>
-        </p:txBody>
-      </p:sp>
       <p:pic>
         <p:nvPicPr>
-          <p:cNvPr id="3" name="Picture 2">
-            <a:extLst>
-              <a:ext uri="{FF2B5EF4-FFF2-40B4-BE49-F238E27FC236}">
-                <a16:creationId xmlns:a16="http://schemas.microsoft.com/office/drawing/2014/main" id="{51A5C081-3CE8-4D71-AB99-0DA36AB46779}"/>
+          <p:cNvPr id="12" name="Picture 11">
+            <a:extLst>
+              <a:ext uri="{FF2B5EF4-FFF2-40B4-BE49-F238E27FC236}">
+                <a16:creationId xmlns:a16="http://schemas.microsoft.com/office/drawing/2014/main" id="{1A509218-4D97-43FF-AD63-7A981A0BD5F0}"/>
               </a:ext>
             </a:extLst>
           </p:cNvPr>
@@ -5168,6 +5140,64 @@
         </p:nvPicPr>
         <p:blipFill>
           <a:blip r:embed="rId2"/>
+          <a:stretch>
+            <a:fillRect/>
+          </a:stretch>
+        </p:blipFill>
+        <p:spPr>
+          <a:xfrm>
+            <a:off x="9275874" y="3016251"/>
+            <a:ext cx="2805162" cy="1191440"/>
+          </a:xfrm>
+          <a:prstGeom prst="rect">
+            <a:avLst/>
+          </a:prstGeom>
+        </p:spPr>
+      </p:pic>
+      <p:sp>
+        <p:nvSpPr>
+          <p:cNvPr id="2" name="Title 1">
+            <a:extLst>
+              <a:ext uri="{FF2B5EF4-FFF2-40B4-BE49-F238E27FC236}">
+                <a16:creationId xmlns:a16="http://schemas.microsoft.com/office/drawing/2014/main" id="{B6709E6C-DB4A-4EF4-996D-FCA2C2EFFAE4}"/>
+              </a:ext>
+            </a:extLst>
+          </p:cNvPr>
+          <p:cNvSpPr>
+            <a:spLocks noGrp="1"/>
+          </p:cNvSpPr>
+          <p:nvPr>
+            <p:ph type="title"/>
+          </p:nvPr>
+        </p:nvSpPr>
+        <p:spPr/>
+        <p:txBody>
+          <a:bodyPr/>
+          <a:lstStyle/>
+          <a:p>
+            <a:r>
+              <a:rPr lang="en-US" dirty="0"/>
+              <a:t>Modeling Quantity Kinds &amp; Units</a:t>
+            </a:r>
+          </a:p>
+        </p:txBody>
+      </p:sp>
+      <p:pic>
+        <p:nvPicPr>
+          <p:cNvPr id="3" name="Picture 2">
+            <a:extLst>
+              <a:ext uri="{FF2B5EF4-FFF2-40B4-BE49-F238E27FC236}">
+                <a16:creationId xmlns:a16="http://schemas.microsoft.com/office/drawing/2014/main" id="{51A5C081-3CE8-4D71-AB99-0DA36AB46779}"/>
+              </a:ext>
+            </a:extLst>
+          </p:cNvPr>
+          <p:cNvPicPr>
+            <a:picLocks noChangeAspect="1"/>
+          </p:cNvPicPr>
+          <p:nvPr/>
+        </p:nvPicPr>
+        <p:blipFill>
+          <a:blip r:embed="rId3"/>
           <a:stretch>
             <a:fillRect/>
           </a:stretch>
@@ -5250,7 +5280,7 @@
           <p:nvPr/>
         </p:nvPicPr>
         <p:blipFill>
-          <a:blip r:embed="rId3"/>
+          <a:blip r:embed="rId4"/>
           <a:stretch>
             <a:fillRect/>
           </a:stretch>
@@ -5464,6 +5494,59 @@
           </a:fontRef>
         </p:style>
       </p:cxnSp>
+      <p:sp>
+        <p:nvSpPr>
+          <p:cNvPr id="11" name="Speech Bubble: Rectangle with Corners Rounded 10">
+            <a:extLst>
+              <a:ext uri="{FF2B5EF4-FFF2-40B4-BE49-F238E27FC236}">
+                <a16:creationId xmlns:a16="http://schemas.microsoft.com/office/drawing/2014/main" id="{CACC523C-B3E5-4413-A23F-A76308501404}"/>
+              </a:ext>
+            </a:extLst>
+          </p:cNvPr>
+          <p:cNvSpPr/>
+          <p:nvPr/>
+        </p:nvSpPr>
+        <p:spPr>
+          <a:xfrm>
+            <a:off x="10009564" y="4778511"/>
+            <a:ext cx="1973942" cy="754743"/>
+          </a:xfrm>
+          <a:prstGeom prst="wedgeRoundRectCallout">
+            <a:avLst>
+              <a:gd name="adj1" fmla="val -27428"/>
+              <a:gd name="adj2" fmla="val -165203"/>
+              <a:gd name="adj3" fmla="val 16667"/>
+            </a:avLst>
+          </a:prstGeom>
+        </p:spPr>
+        <p:style>
+          <a:lnRef idx="2">
+            <a:schemeClr val="accent1">
+              <a:shade val="50000"/>
+            </a:schemeClr>
+          </a:lnRef>
+          <a:fillRef idx="1">
+            <a:schemeClr val="accent1"/>
+          </a:fillRef>
+          <a:effectRef idx="0">
+            <a:schemeClr val="accent1"/>
+          </a:effectRef>
+          <a:fontRef idx="minor">
+            <a:schemeClr val="lt1"/>
+          </a:fontRef>
+        </p:style>
+        <p:txBody>
+          <a:bodyPr rtlCol="0" anchor="ctr"/>
+          <a:lstStyle/>
+          <a:p>
+            <a:pPr algn="ctr"/>
+            <a:r>
+              <a:rPr lang="en-US" dirty="0"/>
+              <a:t>Schema can specify a unit</a:t>
+            </a:r>
+          </a:p>
+        </p:txBody>
+      </p:sp>
     </p:spTree>
     <p:extLst>
       <p:ext uri="{BB962C8B-B14F-4D97-AF65-F5344CB8AC3E}">
@@ -7114,7 +7197,7 @@
           <a:p>
             <a:fld id="{1F9A5793-53E3-4EFA-8FEB-3135A2F5C16E}" type="datetime1">
               <a:rPr lang="en-US" smtClean="0"/>
-              <a:t>5/20/2018</a:t>
+              <a:t>6/21/2018</a:t>
             </a:fld>
             <a:endParaRPr lang="en-US" dirty="0"/>
           </a:p>
